--- a/2. Documents/EV Forecasting Model document.pptx
+++ b/2. Documents/EV Forecasting Model document.pptx
@@ -11,10 +11,9 @@
     <p:sldId id="258" r:id="rId5"/>
     <p:sldId id="259" r:id="rId6"/>
     <p:sldId id="260" r:id="rId7"/>
-    <p:sldId id="261" r:id="rId8"/>
-    <p:sldId id="262" r:id="rId9"/>
-    <p:sldId id="263" r:id="rId10"/>
-    <p:sldId id="264" r:id="rId11"/>
+    <p:sldId id="262" r:id="rId8"/>
+    <p:sldId id="263" r:id="rId9"/>
+    <p:sldId id="264" r:id="rId10"/>
   </p:sldIdLst>
   <p:sldSz cx="12192000" cy="6858000"/>
   <p:notesSz cx="6858000" cy="9144000"/>
@@ -623,7 +622,7 @@
           <a:p>
             <a:fld id="{645484C2-5835-46B0-9A58-3C9347D6A909}" type="datetimeFigureOut">
               <a:rPr kumimoji="1" lang="ja-JP" altLang="en-US" smtClean="0"/>
-              <a:t>2020/9/24</a:t>
+              <a:t>2020/10/15</a:t>
             </a:fld>
             <a:endParaRPr kumimoji="1" lang="ja-JP" altLang="en-US"/>
           </a:p>
@@ -919,7 +918,7 @@
           <a:p>
             <a:fld id="{645484C2-5835-46B0-9A58-3C9347D6A909}" type="datetimeFigureOut">
               <a:rPr kumimoji="1" lang="ja-JP" altLang="en-US" smtClean="0"/>
-              <a:t>2020/9/24</a:t>
+              <a:t>2020/10/15</a:t>
             </a:fld>
             <a:endParaRPr kumimoji="1" lang="ja-JP" altLang="en-US"/>
           </a:p>
@@ -1167,7 +1166,7 @@
           <a:p>
             <a:fld id="{645484C2-5835-46B0-9A58-3C9347D6A909}" type="datetimeFigureOut">
               <a:rPr kumimoji="1" lang="ja-JP" altLang="en-US" smtClean="0"/>
-              <a:t>2020/9/24</a:t>
+              <a:t>2020/10/15</a:t>
             </a:fld>
             <a:endParaRPr kumimoji="1" lang="ja-JP" altLang="en-US"/>
           </a:p>
@@ -1707,7 +1706,7 @@
           <a:p>
             <a:fld id="{645484C2-5835-46B0-9A58-3C9347D6A909}" type="datetimeFigureOut">
               <a:rPr kumimoji="1" lang="ja-JP" altLang="en-US" smtClean="0"/>
-              <a:t>2020/9/24</a:t>
+              <a:t>2020/10/15</a:t>
             </a:fld>
             <a:endParaRPr kumimoji="1" lang="ja-JP" altLang="en-US"/>
           </a:p>
@@ -1955,7 +1954,7 @@
           <a:p>
             <a:fld id="{645484C2-5835-46B0-9A58-3C9347D6A909}" type="datetimeFigureOut">
               <a:rPr kumimoji="1" lang="ja-JP" altLang="en-US" smtClean="0"/>
-              <a:t>2020/9/24</a:t>
+              <a:t>2020/10/15</a:t>
             </a:fld>
             <a:endParaRPr kumimoji="1" lang="ja-JP" altLang="en-US"/>
           </a:p>
@@ -2487,7 +2486,7 @@
           <a:p>
             <a:fld id="{645484C2-5835-46B0-9A58-3C9347D6A909}" type="datetimeFigureOut">
               <a:rPr kumimoji="1" lang="ja-JP" altLang="en-US" smtClean="0"/>
-              <a:t>2020/9/24</a:t>
+              <a:t>2020/10/15</a:t>
             </a:fld>
             <a:endParaRPr kumimoji="1" lang="ja-JP" altLang="en-US"/>
           </a:p>
@@ -2784,7 +2783,7 @@
           <a:p>
             <a:fld id="{645484C2-5835-46B0-9A58-3C9347D6A909}" type="datetimeFigureOut">
               <a:rPr kumimoji="1" lang="ja-JP" altLang="en-US" smtClean="0"/>
-              <a:t>2020/9/24</a:t>
+              <a:t>2020/10/15</a:t>
             </a:fld>
             <a:endParaRPr kumimoji="1" lang="ja-JP" altLang="en-US"/>
           </a:p>
@@ -2990,7 +2989,7 @@
           <a:p>
             <a:fld id="{645484C2-5835-46B0-9A58-3C9347D6A909}" type="datetimeFigureOut">
               <a:rPr kumimoji="1" lang="ja-JP" altLang="en-US" smtClean="0"/>
-              <a:t>2020/9/24</a:t>
+              <a:t>2020/10/15</a:t>
             </a:fld>
             <a:endParaRPr kumimoji="1" lang="ja-JP" altLang="en-US"/>
           </a:p>
@@ -3202,7 +3201,7 @@
           <a:p>
             <a:fld id="{645484C2-5835-46B0-9A58-3C9347D6A909}" type="datetimeFigureOut">
               <a:rPr kumimoji="1" lang="ja-JP" altLang="en-US" smtClean="0"/>
-              <a:t>2020/9/24</a:t>
+              <a:t>2020/10/15</a:t>
             </a:fld>
             <a:endParaRPr kumimoji="1" lang="ja-JP" altLang="en-US"/>
           </a:p>
@@ -3404,7 +3403,7 @@
           <a:p>
             <a:fld id="{645484C2-5835-46B0-9A58-3C9347D6A909}" type="datetimeFigureOut">
               <a:rPr kumimoji="1" lang="ja-JP" altLang="en-US" smtClean="0"/>
-              <a:t>2020/9/24</a:t>
+              <a:t>2020/10/15</a:t>
             </a:fld>
             <a:endParaRPr kumimoji="1" lang="ja-JP" altLang="en-US"/>
           </a:p>
@@ -3655,7 +3654,7 @@
           <a:p>
             <a:fld id="{645484C2-5835-46B0-9A58-3C9347D6A909}" type="datetimeFigureOut">
               <a:rPr kumimoji="1" lang="ja-JP" altLang="en-US" smtClean="0"/>
-              <a:t>2020/9/24</a:t>
+              <a:t>2020/10/15</a:t>
             </a:fld>
             <a:endParaRPr kumimoji="1" lang="ja-JP" altLang="en-US"/>
           </a:p>
@@ -4016,7 +4015,7 @@
           <a:p>
             <a:fld id="{645484C2-5835-46B0-9A58-3C9347D6A909}" type="datetimeFigureOut">
               <a:rPr kumimoji="1" lang="ja-JP" altLang="en-US" smtClean="0"/>
-              <a:t>2020/9/24</a:t>
+              <a:t>2020/10/15</a:t>
             </a:fld>
             <a:endParaRPr kumimoji="1" lang="ja-JP" altLang="en-US"/>
           </a:p>
@@ -4522,7 +4521,7 @@
           <a:p>
             <a:fld id="{645484C2-5835-46B0-9A58-3C9347D6A909}" type="datetimeFigureOut">
               <a:rPr kumimoji="1" lang="ja-JP" altLang="en-US" smtClean="0"/>
-              <a:t>2020/9/24</a:t>
+              <a:t>2020/10/15</a:t>
             </a:fld>
             <a:endParaRPr kumimoji="1" lang="ja-JP" altLang="en-US"/>
           </a:p>
@@ -4640,7 +4639,7 @@
           <a:p>
             <a:fld id="{645484C2-5835-46B0-9A58-3C9347D6A909}" type="datetimeFigureOut">
               <a:rPr kumimoji="1" lang="ja-JP" altLang="en-US" smtClean="0"/>
-              <a:t>2020/9/24</a:t>
+              <a:t>2020/10/15</a:t>
             </a:fld>
             <a:endParaRPr kumimoji="1" lang="ja-JP" altLang="en-US"/>
           </a:p>
@@ -4735,7 +4734,7 @@
           <a:p>
             <a:fld id="{645484C2-5835-46B0-9A58-3C9347D6A909}" type="datetimeFigureOut">
               <a:rPr kumimoji="1" lang="ja-JP" altLang="en-US" smtClean="0"/>
-              <a:t>2020/9/24</a:t>
+              <a:t>2020/10/15</a:t>
             </a:fld>
             <a:endParaRPr kumimoji="1" lang="ja-JP" altLang="en-US"/>
           </a:p>
@@ -5050,7 +5049,7 @@
           <a:p>
             <a:fld id="{645484C2-5835-46B0-9A58-3C9347D6A909}" type="datetimeFigureOut">
               <a:rPr kumimoji="1" lang="ja-JP" altLang="en-US" smtClean="0"/>
-              <a:t>2020/9/24</a:t>
+              <a:t>2020/10/15</a:t>
             </a:fld>
             <a:endParaRPr kumimoji="1" lang="ja-JP" altLang="en-US"/>
           </a:p>
@@ -5341,7 +5340,7 @@
           <a:p>
             <a:fld id="{645484C2-5835-46B0-9A58-3C9347D6A909}" type="datetimeFigureOut">
               <a:rPr kumimoji="1" lang="ja-JP" altLang="en-US" smtClean="0"/>
-              <a:t>2020/9/24</a:t>
+              <a:t>2020/10/15</a:t>
             </a:fld>
             <a:endParaRPr kumimoji="1" lang="ja-JP" altLang="en-US"/>
           </a:p>
@@ -5903,7 +5902,7 @@
           <a:p>
             <a:fld id="{645484C2-5835-46B0-9A58-3C9347D6A909}" type="datetimeFigureOut">
               <a:rPr kumimoji="1" lang="ja-JP" altLang="en-US" smtClean="0"/>
-              <a:t>2020/9/24</a:t>
+              <a:t>2020/10/15</a:t>
             </a:fld>
             <a:endParaRPr kumimoji="1" lang="ja-JP" altLang="en-US"/>
           </a:p>
@@ -6537,775 +6536,6 @@
 </p:sld>
 </file>
 
-<file path=ppt/slides/slide10.xml><?xml version="1.0" encoding="utf-8"?>
-<p:sld xmlns:a="http://schemas.openxmlformats.org/drawingml/2006/main" xmlns:r="http://schemas.openxmlformats.org/officeDocument/2006/relationships" xmlns:p="http://schemas.openxmlformats.org/presentationml/2006/main">
-  <p:cSld>
-    <p:spTree>
-      <p:nvGrpSpPr>
-        <p:cNvPr id="1" name=""/>
-        <p:cNvGrpSpPr/>
-        <p:nvPr/>
-      </p:nvGrpSpPr>
-      <p:grpSpPr>
-        <a:xfrm>
-          <a:off x="0" y="0"/>
-          <a:ext cx="0" cy="0"/>
-          <a:chOff x="0" y="0"/>
-          <a:chExt cx="0" cy="0"/>
-        </a:xfrm>
-      </p:grpSpPr>
-      <p:sp>
-        <p:nvSpPr>
-          <p:cNvPr id="4" name="フローチャート: 結合子 3">
-            <a:extLst>
-              <a:ext uri="{FF2B5EF4-FFF2-40B4-BE49-F238E27FC236}">
-                <a16:creationId xmlns:a16="http://schemas.microsoft.com/office/drawing/2014/main" id="{91B14641-C4C0-4F27-A512-6E6B79889377}"/>
-              </a:ext>
-            </a:extLst>
-          </p:cNvPr>
-          <p:cNvSpPr/>
-          <p:nvPr/>
-        </p:nvSpPr>
-        <p:spPr>
-          <a:xfrm>
-            <a:off x="10703628" y="213756"/>
-            <a:ext cx="708559" cy="673883"/>
-          </a:xfrm>
-          <a:prstGeom prst="flowChartConnector">
-            <a:avLst/>
-          </a:prstGeom>
-          <a:solidFill>
-            <a:schemeClr val="accent1">
-              <a:lumMod val="60000"/>
-              <a:lumOff val="40000"/>
-            </a:schemeClr>
-          </a:solidFill>
-        </p:spPr>
-        <p:style>
-          <a:lnRef idx="2">
-            <a:schemeClr val="accent1">
-              <a:shade val="50000"/>
-            </a:schemeClr>
-          </a:lnRef>
-          <a:fillRef idx="1">
-            <a:schemeClr val="accent1"/>
-          </a:fillRef>
-          <a:effectRef idx="0">
-            <a:schemeClr val="accent1"/>
-          </a:effectRef>
-          <a:fontRef idx="minor">
-            <a:schemeClr val="lt1"/>
-          </a:fontRef>
-        </p:style>
-        <p:txBody>
-          <a:bodyPr rtlCol="0" anchor="ctr"/>
-          <a:lstStyle/>
-          <a:p>
-            <a:pPr algn="ctr"/>
-            <a:r>
-              <a:rPr kumimoji="1" lang="en-US" altLang="ja-JP" sz="2800" dirty="0"/>
-              <a:t>6</a:t>
-            </a:r>
-            <a:endParaRPr kumimoji="1" lang="ja-JP" altLang="en-US" sz="2800" dirty="0"/>
-          </a:p>
-        </p:txBody>
-      </p:sp>
-      <p:sp>
-        <p:nvSpPr>
-          <p:cNvPr id="5" name="正方形/長方形 4">
-            <a:extLst>
-              <a:ext uri="{FF2B5EF4-FFF2-40B4-BE49-F238E27FC236}">
-                <a16:creationId xmlns:a16="http://schemas.microsoft.com/office/drawing/2014/main" id="{E0B85D0E-E795-45F3-B951-A7E51857695F}"/>
-              </a:ext>
-            </a:extLst>
-          </p:cNvPr>
-          <p:cNvSpPr/>
-          <p:nvPr/>
-        </p:nvSpPr>
-        <p:spPr>
-          <a:xfrm>
-            <a:off x="1712674" y="887639"/>
-            <a:ext cx="1876406" cy="360218"/>
-          </a:xfrm>
-          <a:prstGeom prst="rect">
-            <a:avLst/>
-          </a:prstGeom>
-          <a:solidFill>
-            <a:schemeClr val="tx2">
-              <a:lumMod val="10000"/>
-              <a:lumOff val="90000"/>
-            </a:schemeClr>
-          </a:solidFill>
-        </p:spPr>
-        <p:style>
-          <a:lnRef idx="2">
-            <a:schemeClr val="accent1">
-              <a:shade val="50000"/>
-            </a:schemeClr>
-          </a:lnRef>
-          <a:fillRef idx="1">
-            <a:schemeClr val="accent1"/>
-          </a:fillRef>
-          <a:effectRef idx="0">
-            <a:schemeClr val="accent1"/>
-          </a:effectRef>
-          <a:fontRef idx="minor">
-            <a:schemeClr val="lt1"/>
-          </a:fontRef>
-        </p:style>
-        <p:txBody>
-          <a:bodyPr rtlCol="0" anchor="ctr"/>
-          <a:lstStyle/>
-          <a:p>
-            <a:pPr algn="ctr"/>
-            <a:r>
-              <a:rPr kumimoji="1" lang="en-US" altLang="ja-JP" sz="2000" dirty="0">
-                <a:solidFill>
-                  <a:schemeClr val="tx1"/>
-                </a:solidFill>
-              </a:rPr>
-              <a:t>Load mat file</a:t>
-            </a:r>
-            <a:endParaRPr kumimoji="1" lang="ja-JP" altLang="en-US" sz="2000" dirty="0">
-              <a:solidFill>
-                <a:schemeClr val="tx1"/>
-              </a:solidFill>
-            </a:endParaRPr>
-          </a:p>
-        </p:txBody>
-      </p:sp>
-      <p:sp>
-        <p:nvSpPr>
-          <p:cNvPr id="6" name="タイトル 1">
-            <a:extLst>
-              <a:ext uri="{FF2B5EF4-FFF2-40B4-BE49-F238E27FC236}">
-                <a16:creationId xmlns:a16="http://schemas.microsoft.com/office/drawing/2014/main" id="{38A81E8F-E164-4B6B-A51C-0661DA61DD35}"/>
-              </a:ext>
-            </a:extLst>
-          </p:cNvPr>
-          <p:cNvSpPr txBox="1">
-            <a:spLocks/>
-          </p:cNvSpPr>
-          <p:nvPr/>
-        </p:nvSpPr>
-        <p:spPr>
-          <a:xfrm>
-            <a:off x="1626814" y="213756"/>
-            <a:ext cx="4239595" cy="360217"/>
-          </a:xfrm>
-          <a:prstGeom prst="rect">
-            <a:avLst/>
-          </a:prstGeom>
-          <a:solidFill>
-            <a:schemeClr val="accent1">
-              <a:lumMod val="60000"/>
-              <a:lumOff val="40000"/>
-            </a:schemeClr>
-          </a:solidFill>
-          <a:effectLst/>
-        </p:spPr>
-        <p:txBody>
-          <a:bodyPr vert="horz" lIns="91440" tIns="45720" rIns="91440" bIns="45720" rtlCol="0" anchor="ctr">
-            <a:normAutofit fontScale="82500" lnSpcReduction="20000"/>
-          </a:bodyPr>
-          <a:lstStyle>
-            <a:lvl1pPr algn="ctr" defTabSz="457200" rtl="0" eaLnBrk="1" latinLnBrk="0" hangingPunct="1">
-              <a:spcBef>
-                <a:spcPct val="0"/>
-              </a:spcBef>
-              <a:buNone/>
-              <a:defRPr kumimoji="1" sz="4000" kern="1200" cap="none">
-                <a:ln w="3175" cmpd="sng">
-                  <a:noFill/>
-                </a:ln>
-                <a:solidFill>
-                  <a:schemeClr val="tx1"/>
-                </a:solidFill>
-                <a:effectLst/>
-                <a:latin typeface="+mj-lt"/>
-                <a:ea typeface="+mj-ea"/>
-                <a:cs typeface="+mj-cs"/>
-              </a:defRPr>
-            </a:lvl1pPr>
-            <a:lvl2pPr eaLnBrk="1" hangingPunct="1">
-              <a:defRPr kumimoji="1">
-                <a:solidFill>
-                  <a:schemeClr val="tx2"/>
-                </a:solidFill>
-              </a:defRPr>
-            </a:lvl2pPr>
-            <a:lvl3pPr eaLnBrk="1" hangingPunct="1">
-              <a:defRPr kumimoji="1">
-                <a:solidFill>
-                  <a:schemeClr val="tx2"/>
-                </a:solidFill>
-              </a:defRPr>
-            </a:lvl3pPr>
-            <a:lvl4pPr eaLnBrk="1" hangingPunct="1">
-              <a:defRPr kumimoji="1">
-                <a:solidFill>
-                  <a:schemeClr val="tx2"/>
-                </a:solidFill>
-              </a:defRPr>
-            </a:lvl4pPr>
-            <a:lvl5pPr eaLnBrk="1" hangingPunct="1">
-              <a:defRPr kumimoji="1">
-                <a:solidFill>
-                  <a:schemeClr val="tx2"/>
-                </a:solidFill>
-              </a:defRPr>
-            </a:lvl5pPr>
-            <a:lvl6pPr eaLnBrk="1" hangingPunct="1">
-              <a:defRPr kumimoji="1">
-                <a:solidFill>
-                  <a:schemeClr val="tx2"/>
-                </a:solidFill>
-              </a:defRPr>
-            </a:lvl6pPr>
-            <a:lvl7pPr eaLnBrk="1" hangingPunct="1">
-              <a:defRPr kumimoji="1">
-                <a:solidFill>
-                  <a:schemeClr val="tx2"/>
-                </a:solidFill>
-              </a:defRPr>
-            </a:lvl7pPr>
-            <a:lvl8pPr eaLnBrk="1" hangingPunct="1">
-              <a:defRPr kumimoji="1">
-                <a:solidFill>
-                  <a:schemeClr val="tx2"/>
-                </a:solidFill>
-              </a:defRPr>
-            </a:lvl8pPr>
-            <a:lvl9pPr eaLnBrk="1" hangingPunct="1">
-              <a:defRPr kumimoji="1">
-                <a:solidFill>
-                  <a:schemeClr val="tx2"/>
-                </a:solidFill>
-              </a:defRPr>
-            </a:lvl9pPr>
-          </a:lstStyle>
-          <a:p>
-            <a:r>
-              <a:rPr lang="en-US" altLang="ja-JP" sz="2400" dirty="0" err="1"/>
-              <a:t>GetEVModel</a:t>
-            </a:r>
-            <a:r>
-              <a:rPr lang="en-US" altLang="ja-JP" sz="2400" dirty="0"/>
-              <a:t> _</a:t>
-            </a:r>
-            <a:r>
-              <a:rPr lang="en-US" altLang="ja-JP" sz="2400" dirty="0" err="1"/>
-              <a:t>MultipleDay</a:t>
-            </a:r>
-            <a:endParaRPr lang="ja-JP" altLang="en-US" sz="2400" dirty="0"/>
-          </a:p>
-        </p:txBody>
-      </p:sp>
-      <p:sp>
-        <p:nvSpPr>
-          <p:cNvPr id="7" name="正方形/長方形 6">
-            <a:extLst>
-              <a:ext uri="{FF2B5EF4-FFF2-40B4-BE49-F238E27FC236}">
-                <a16:creationId xmlns:a16="http://schemas.microsoft.com/office/drawing/2014/main" id="{01C81F8F-A0E8-4006-9517-B77F97E570AA}"/>
-              </a:ext>
-            </a:extLst>
-          </p:cNvPr>
-          <p:cNvSpPr/>
-          <p:nvPr/>
-        </p:nvSpPr>
-        <p:spPr>
-          <a:xfrm>
-            <a:off x="1712674" y="1387086"/>
-            <a:ext cx="1876406" cy="360218"/>
-          </a:xfrm>
-          <a:prstGeom prst="rect">
-            <a:avLst/>
-          </a:prstGeom>
-          <a:solidFill>
-            <a:schemeClr val="tx2">
-              <a:lumMod val="10000"/>
-              <a:lumOff val="90000"/>
-            </a:schemeClr>
-          </a:solidFill>
-        </p:spPr>
-        <p:style>
-          <a:lnRef idx="2">
-            <a:schemeClr val="accent1">
-              <a:shade val="50000"/>
-            </a:schemeClr>
-          </a:lnRef>
-          <a:fillRef idx="1">
-            <a:schemeClr val="accent1"/>
-          </a:fillRef>
-          <a:effectRef idx="0">
-            <a:schemeClr val="accent1"/>
-          </a:effectRef>
-          <a:fontRef idx="minor">
-            <a:schemeClr val="lt1"/>
-          </a:fontRef>
-        </p:style>
-        <p:txBody>
-          <a:bodyPr rtlCol="0" anchor="ctr"/>
-          <a:lstStyle/>
-          <a:p>
-            <a:pPr algn="ctr"/>
-            <a:r>
-              <a:rPr kumimoji="1" lang="en-US" altLang="ja-JP" sz="1400" dirty="0">
-                <a:solidFill>
-                  <a:schemeClr val="tx1"/>
-                </a:solidFill>
-              </a:rPr>
-              <a:t>Get Forecast  using each Model </a:t>
-            </a:r>
-            <a:endParaRPr kumimoji="1" lang="ja-JP" altLang="en-US" sz="1400" dirty="0">
-              <a:solidFill>
-                <a:schemeClr val="tx1"/>
-              </a:solidFill>
-            </a:endParaRPr>
-          </a:p>
-        </p:txBody>
-      </p:sp>
-      <p:sp>
-        <p:nvSpPr>
-          <p:cNvPr id="9" name="正方形/長方形 8">
-            <a:extLst>
-              <a:ext uri="{FF2B5EF4-FFF2-40B4-BE49-F238E27FC236}">
-                <a16:creationId xmlns:a16="http://schemas.microsoft.com/office/drawing/2014/main" id="{9F951A21-E4DF-4DE6-BB9B-8C0647A3474F}"/>
-              </a:ext>
-            </a:extLst>
-          </p:cNvPr>
-          <p:cNvSpPr/>
-          <p:nvPr/>
-        </p:nvSpPr>
-        <p:spPr>
-          <a:xfrm>
-            <a:off x="4352843" y="939649"/>
-            <a:ext cx="1876406" cy="360218"/>
-          </a:xfrm>
-          <a:prstGeom prst="rect">
-            <a:avLst/>
-          </a:prstGeom>
-          <a:solidFill>
-            <a:schemeClr val="tx2">
-              <a:lumMod val="10000"/>
-              <a:lumOff val="90000"/>
-            </a:schemeClr>
-          </a:solidFill>
-        </p:spPr>
-        <p:style>
-          <a:lnRef idx="2">
-            <a:schemeClr val="accent1">
-              <a:shade val="50000"/>
-            </a:schemeClr>
-          </a:lnRef>
-          <a:fillRef idx="1">
-            <a:schemeClr val="accent1"/>
-          </a:fillRef>
-          <a:effectRef idx="0">
-            <a:schemeClr val="accent1"/>
-          </a:effectRef>
-          <a:fontRef idx="minor">
-            <a:schemeClr val="lt1"/>
-          </a:fontRef>
-        </p:style>
-        <p:txBody>
-          <a:bodyPr rtlCol="0" anchor="ctr"/>
-          <a:lstStyle/>
-          <a:p>
-            <a:pPr algn="ctr"/>
-            <a:r>
-              <a:rPr kumimoji="1" lang="en-US" altLang="ja-JP" sz="1400" dirty="0">
-                <a:solidFill>
-                  <a:schemeClr val="tx1"/>
-                </a:solidFill>
-              </a:rPr>
-              <a:t>Train </a:t>
-            </a:r>
-            <a:r>
-              <a:rPr kumimoji="1" lang="en-US" altLang="ja-JP" sz="1400" dirty="0" err="1">
-                <a:solidFill>
-                  <a:schemeClr val="tx1"/>
-                </a:solidFill>
-              </a:rPr>
-              <a:t>NeuralNet</a:t>
-            </a:r>
-            <a:endParaRPr kumimoji="1" lang="ja-JP" altLang="en-US" sz="1400" dirty="0">
-              <a:solidFill>
-                <a:schemeClr val="tx1"/>
-              </a:solidFill>
-            </a:endParaRPr>
-          </a:p>
-        </p:txBody>
-      </p:sp>
-      <p:sp>
-        <p:nvSpPr>
-          <p:cNvPr id="10" name="正方形/長方形 9">
-            <a:extLst>
-              <a:ext uri="{FF2B5EF4-FFF2-40B4-BE49-F238E27FC236}">
-                <a16:creationId xmlns:a16="http://schemas.microsoft.com/office/drawing/2014/main" id="{8127E01C-6731-44E6-86C7-D5D615ED41EE}"/>
-              </a:ext>
-            </a:extLst>
-          </p:cNvPr>
-          <p:cNvSpPr/>
-          <p:nvPr/>
-        </p:nvSpPr>
-        <p:spPr>
-          <a:xfrm>
-            <a:off x="4352843" y="1387086"/>
-            <a:ext cx="1876406" cy="360218"/>
-          </a:xfrm>
-          <a:prstGeom prst="rect">
-            <a:avLst/>
-          </a:prstGeom>
-          <a:solidFill>
-            <a:schemeClr val="tx2">
-              <a:lumMod val="10000"/>
-              <a:lumOff val="90000"/>
-            </a:schemeClr>
-          </a:solidFill>
-        </p:spPr>
-        <p:style>
-          <a:lnRef idx="2">
-            <a:schemeClr val="accent1">
-              <a:shade val="50000"/>
-            </a:schemeClr>
-          </a:lnRef>
-          <a:fillRef idx="1">
-            <a:schemeClr val="accent1"/>
-          </a:fillRef>
-          <a:effectRef idx="0">
-            <a:schemeClr val="accent1"/>
-          </a:effectRef>
-          <a:fontRef idx="minor">
-            <a:schemeClr val="lt1"/>
-          </a:fontRef>
-        </p:style>
-        <p:txBody>
-          <a:bodyPr rtlCol="0" anchor="ctr"/>
-          <a:lstStyle/>
-          <a:p>
-            <a:pPr algn="ctr"/>
-            <a:r>
-              <a:rPr kumimoji="1" lang="en-US" altLang="ja-JP" sz="1400" dirty="0">
-                <a:solidFill>
-                  <a:schemeClr val="tx1"/>
-                </a:solidFill>
-              </a:rPr>
-              <a:t>Train K-means</a:t>
-            </a:r>
-            <a:endParaRPr kumimoji="1" lang="ja-JP" altLang="en-US" sz="1400" dirty="0">
-              <a:solidFill>
-                <a:schemeClr val="tx1"/>
-              </a:solidFill>
-            </a:endParaRPr>
-          </a:p>
-        </p:txBody>
-      </p:sp>
-      <p:sp>
-        <p:nvSpPr>
-          <p:cNvPr id="11" name="正方形/長方形 10">
-            <a:extLst>
-              <a:ext uri="{FF2B5EF4-FFF2-40B4-BE49-F238E27FC236}">
-                <a16:creationId xmlns:a16="http://schemas.microsoft.com/office/drawing/2014/main" id="{F906DC5A-BC60-49CF-BC29-8586B18470EE}"/>
-              </a:ext>
-            </a:extLst>
-          </p:cNvPr>
-          <p:cNvSpPr/>
-          <p:nvPr/>
-        </p:nvSpPr>
-        <p:spPr>
-          <a:xfrm>
-            <a:off x="1712674" y="1886533"/>
-            <a:ext cx="1876406" cy="360218"/>
-          </a:xfrm>
-          <a:prstGeom prst="rect">
-            <a:avLst/>
-          </a:prstGeom>
-          <a:solidFill>
-            <a:schemeClr val="tx2">
-              <a:lumMod val="10000"/>
-              <a:lumOff val="90000"/>
-            </a:schemeClr>
-          </a:solidFill>
-        </p:spPr>
-        <p:style>
-          <a:lnRef idx="2">
-            <a:schemeClr val="accent1">
-              <a:shade val="50000"/>
-            </a:schemeClr>
-          </a:lnRef>
-          <a:fillRef idx="1">
-            <a:schemeClr val="accent1"/>
-          </a:fillRef>
-          <a:effectRef idx="0">
-            <a:schemeClr val="accent1"/>
-          </a:effectRef>
-          <a:fontRef idx="minor">
-            <a:schemeClr val="lt1"/>
-          </a:fontRef>
-        </p:style>
-        <p:txBody>
-          <a:bodyPr rtlCol="0" anchor="ctr"/>
-          <a:lstStyle/>
-          <a:p>
-            <a:pPr algn="ctr"/>
-            <a:r>
-              <a:rPr kumimoji="1" lang="en-US" altLang="ja-JP" sz="1400" dirty="0">
-                <a:solidFill>
-                  <a:schemeClr val="tx1"/>
-                </a:solidFill>
-              </a:rPr>
-              <a:t>Get combine result with Weight </a:t>
-            </a:r>
-            <a:endParaRPr kumimoji="1" lang="ja-JP" altLang="en-US" sz="1400" dirty="0">
-              <a:solidFill>
-                <a:schemeClr val="tx1"/>
-              </a:solidFill>
-            </a:endParaRPr>
-          </a:p>
-        </p:txBody>
-      </p:sp>
-      <p:sp>
-        <p:nvSpPr>
-          <p:cNvPr id="12" name="正方形/長方形 11">
-            <a:extLst>
-              <a:ext uri="{FF2B5EF4-FFF2-40B4-BE49-F238E27FC236}">
-                <a16:creationId xmlns:a16="http://schemas.microsoft.com/office/drawing/2014/main" id="{6E6532E1-0167-4448-A781-59ECC044321E}"/>
-              </a:ext>
-            </a:extLst>
-          </p:cNvPr>
-          <p:cNvSpPr/>
-          <p:nvPr/>
-        </p:nvSpPr>
-        <p:spPr>
-          <a:xfrm>
-            <a:off x="1712674" y="2385980"/>
-            <a:ext cx="1876406" cy="360218"/>
-          </a:xfrm>
-          <a:prstGeom prst="rect">
-            <a:avLst/>
-          </a:prstGeom>
-          <a:solidFill>
-            <a:schemeClr val="tx2">
-              <a:lumMod val="10000"/>
-              <a:lumOff val="90000"/>
-            </a:schemeClr>
-          </a:solidFill>
-        </p:spPr>
-        <p:style>
-          <a:lnRef idx="2">
-            <a:schemeClr val="accent1">
-              <a:shade val="50000"/>
-            </a:schemeClr>
-          </a:lnRef>
-          <a:fillRef idx="1">
-            <a:schemeClr val="accent1"/>
-          </a:fillRef>
-          <a:effectRef idx="0">
-            <a:schemeClr val="accent1"/>
-          </a:effectRef>
-          <a:fontRef idx="minor">
-            <a:schemeClr val="lt1"/>
-          </a:fontRef>
-        </p:style>
-        <p:txBody>
-          <a:bodyPr rtlCol="0" anchor="ctr"/>
-          <a:lstStyle/>
-          <a:p>
-            <a:pPr algn="ctr"/>
-            <a:r>
-              <a:rPr kumimoji="1" lang="en-US" altLang="ja-JP" sz="1400" dirty="0">
-                <a:solidFill>
-                  <a:schemeClr val="tx1"/>
-                </a:solidFill>
-              </a:rPr>
-              <a:t>Get Prediction Interval</a:t>
-            </a:r>
-            <a:endParaRPr kumimoji="1" lang="ja-JP" altLang="en-US" sz="1400" dirty="0">
-              <a:solidFill>
-                <a:schemeClr val="tx1"/>
-              </a:solidFill>
-            </a:endParaRPr>
-          </a:p>
-        </p:txBody>
-      </p:sp>
-      <p:sp>
-        <p:nvSpPr>
-          <p:cNvPr id="13" name="正方形/長方形 12">
-            <a:extLst>
-              <a:ext uri="{FF2B5EF4-FFF2-40B4-BE49-F238E27FC236}">
-                <a16:creationId xmlns:a16="http://schemas.microsoft.com/office/drawing/2014/main" id="{E67936A0-7B7B-4200-948F-DF22398B965C}"/>
-              </a:ext>
-            </a:extLst>
-          </p:cNvPr>
-          <p:cNvSpPr/>
-          <p:nvPr/>
-        </p:nvSpPr>
-        <p:spPr>
-          <a:xfrm>
-            <a:off x="1712674" y="2885427"/>
-            <a:ext cx="1876406" cy="360218"/>
-          </a:xfrm>
-          <a:prstGeom prst="rect">
-            <a:avLst/>
-          </a:prstGeom>
-          <a:solidFill>
-            <a:schemeClr val="tx2">
-              <a:lumMod val="10000"/>
-              <a:lumOff val="90000"/>
-            </a:schemeClr>
-          </a:solidFill>
-        </p:spPr>
-        <p:style>
-          <a:lnRef idx="2">
-            <a:schemeClr val="accent1">
-              <a:shade val="50000"/>
-            </a:schemeClr>
-          </a:lnRef>
-          <a:fillRef idx="1">
-            <a:schemeClr val="accent1"/>
-          </a:fillRef>
-          <a:effectRef idx="0">
-            <a:schemeClr val="accent1"/>
-          </a:effectRef>
-          <a:fontRef idx="minor">
-            <a:schemeClr val="lt1"/>
-          </a:fontRef>
-        </p:style>
-        <p:txBody>
-          <a:bodyPr rtlCol="0" anchor="ctr"/>
-          <a:lstStyle/>
-          <a:p>
-            <a:pPr algn="ctr"/>
-            <a:r>
-              <a:rPr kumimoji="1" lang="en-US" altLang="ja-JP" sz="1200" dirty="0">
-                <a:solidFill>
-                  <a:schemeClr val="tx1"/>
-                </a:solidFill>
-              </a:rPr>
-              <a:t>Write down the forecasted result in csv file</a:t>
-            </a:r>
-            <a:endParaRPr kumimoji="1" lang="ja-JP" altLang="en-US" sz="1200" dirty="0">
-              <a:solidFill>
-                <a:schemeClr val="tx1"/>
-              </a:solidFill>
-            </a:endParaRPr>
-          </a:p>
-        </p:txBody>
-      </p:sp>
-      <p:sp>
-        <p:nvSpPr>
-          <p:cNvPr id="14" name="正方形/長方形 13">
-            <a:extLst>
-              <a:ext uri="{FF2B5EF4-FFF2-40B4-BE49-F238E27FC236}">
-                <a16:creationId xmlns:a16="http://schemas.microsoft.com/office/drawing/2014/main" id="{CC63F061-1F3F-4390-8505-92BFC9B72B28}"/>
-              </a:ext>
-            </a:extLst>
-          </p:cNvPr>
-          <p:cNvSpPr/>
-          <p:nvPr/>
-        </p:nvSpPr>
-        <p:spPr>
-          <a:xfrm>
-            <a:off x="1712674" y="3384874"/>
-            <a:ext cx="1876406" cy="360218"/>
-          </a:xfrm>
-          <a:prstGeom prst="rect">
-            <a:avLst/>
-          </a:prstGeom>
-          <a:solidFill>
-            <a:schemeClr val="tx2">
-              <a:lumMod val="10000"/>
-              <a:lumOff val="90000"/>
-            </a:schemeClr>
-          </a:solidFill>
-        </p:spPr>
-        <p:style>
-          <a:lnRef idx="2">
-            <a:schemeClr val="accent1">
-              <a:shade val="50000"/>
-            </a:schemeClr>
-          </a:lnRef>
-          <a:fillRef idx="1">
-            <a:schemeClr val="accent1"/>
-          </a:fillRef>
-          <a:effectRef idx="0">
-            <a:schemeClr val="accent1"/>
-          </a:effectRef>
-          <a:fontRef idx="minor">
-            <a:schemeClr val="lt1"/>
-          </a:fontRef>
-        </p:style>
-        <p:txBody>
-          <a:bodyPr rtlCol="0" anchor="ctr"/>
-          <a:lstStyle/>
-          <a:p>
-            <a:pPr algn="ctr"/>
-            <a:r>
-              <a:rPr kumimoji="1" lang="en-US" altLang="ja-JP" sz="1400" dirty="0">
-                <a:solidFill>
-                  <a:schemeClr val="tx1"/>
-                </a:solidFill>
-              </a:rPr>
-              <a:t>Get forecast performance summary</a:t>
-            </a:r>
-            <a:endParaRPr kumimoji="1" lang="ja-JP" altLang="en-US" sz="1400" dirty="0">
-              <a:solidFill>
-                <a:schemeClr val="tx1"/>
-              </a:solidFill>
-            </a:endParaRPr>
-          </a:p>
-        </p:txBody>
-      </p:sp>
-      <p:sp>
-        <p:nvSpPr>
-          <p:cNvPr id="2" name="TextBox 1">
-            <a:extLst>
-              <a:ext uri="{FF2B5EF4-FFF2-40B4-BE49-F238E27FC236}">
-                <a16:creationId xmlns:a16="http://schemas.microsoft.com/office/drawing/2014/main" id="{421B22C0-5CB3-4D79-9BF0-2DB5B5710C5F}"/>
-              </a:ext>
-            </a:extLst>
-          </p:cNvPr>
-          <p:cNvSpPr txBox="1"/>
-          <p:nvPr/>
-        </p:nvSpPr>
-        <p:spPr>
-          <a:xfrm>
-            <a:off x="4411566" y="3909566"/>
-            <a:ext cx="5972961" cy="369332"/>
-          </a:xfrm>
-          <a:prstGeom prst="rect">
-            <a:avLst/>
-          </a:prstGeom>
-          <a:noFill/>
-        </p:spPr>
-        <p:txBody>
-          <a:bodyPr wrap="square" rtlCol="0">
-            <a:spAutoFit/>
-          </a:bodyPr>
-          <a:lstStyle/>
-          <a:p>
-            <a:r>
-              <a:rPr lang="ja-JP" altLang="en-US" dirty="0"/>
-              <a:t>・最終アウトプットでなにが得られる？</a:t>
-            </a:r>
-            <a:endParaRPr lang="en-US" dirty="0"/>
-          </a:p>
-        </p:txBody>
-      </p:sp>
-    </p:spTree>
-    <p:extLst>
-      <p:ext uri="{BB962C8B-B14F-4D97-AF65-F5344CB8AC3E}">
-        <p14:creationId xmlns:p14="http://schemas.microsoft.com/office/powerpoint/2010/main" val="3644436642"/>
-      </p:ext>
-    </p:extLst>
-  </p:cSld>
-  <p:clrMapOvr>
-    <a:masterClrMapping/>
-  </p:clrMapOvr>
-</p:sld>
-</file>
-
 <file path=ppt/slides/slide2.xml><?xml version="1.0" encoding="utf-8"?>
 <p:sld xmlns:a="http://schemas.openxmlformats.org/drawingml/2006/main" xmlns:r="http://schemas.openxmlformats.org/officeDocument/2006/relationships" xmlns:p="http://schemas.openxmlformats.org/presentationml/2006/main">
   <p:cSld>
@@ -7753,7 +6983,7 @@
         </p:nvSpPr>
         <p:spPr>
           <a:xfrm>
-            <a:off x="4105275" y="2416913"/>
+            <a:off x="397754" y="5949231"/>
             <a:ext cx="3771899" cy="646331"/>
           </a:xfrm>
           <a:prstGeom prst="rect">
@@ -7900,8 +7130,8 @@
         </p:nvSpPr>
         <p:spPr>
           <a:xfrm>
-            <a:off x="4333875" y="3794757"/>
-            <a:ext cx="2914650" cy="369332"/>
+            <a:off x="4604915" y="4924241"/>
+            <a:ext cx="2914650" cy="1200329"/>
           </a:xfrm>
           <a:prstGeom prst="rect">
             <a:avLst/>
@@ -7926,7 +7156,14 @@
               <a:rPr lang="en-US" altLang="ja-JP" sz="1800" dirty="0" err="1"/>
               <a:t>MultipleDay</a:t>
             </a:r>
-            <a:endParaRPr lang="ja-JP" altLang="en-US" sz="1800" dirty="0"/>
+            <a:r>
+              <a:rPr lang="en-US" altLang="ja-JP" sz="1800" dirty="0"/>
+              <a:t>:</a:t>
+            </a:r>
+            <a:r>
+              <a:rPr lang="ja-JP" altLang="en-US" sz="1800" dirty="0"/>
+              <a:t>作成したモデルから予測したモデルと実際の値の比較をする</a:t>
+            </a:r>
           </a:p>
         </p:txBody>
       </p:sp>
@@ -7944,7 +7181,7 @@
         </p:nvCxnSpPr>
         <p:spPr>
           <a:xfrm>
-            <a:off x="5476875" y="3213856"/>
+            <a:off x="5640797" y="2880997"/>
             <a:ext cx="0" cy="434219"/>
           </a:xfrm>
           <a:prstGeom prst="straightConnector1">
@@ -7969,6 +7206,155 @@
           </a:fontRef>
         </p:style>
       </p:cxnSp>
+      <p:pic>
+        <p:nvPicPr>
+          <p:cNvPr id="4" name="図 3" descr="テーブル が含まれている画像&#10;&#10;自動的に生成された説明">
+            <a:extLst>
+              <a:ext uri="{FF2B5EF4-FFF2-40B4-BE49-F238E27FC236}">
+                <a16:creationId xmlns:a16="http://schemas.microsoft.com/office/drawing/2014/main" id="{BF96EFA1-6C11-414B-802B-BBAD78DE33B6}"/>
+              </a:ext>
+            </a:extLst>
+          </p:cNvPr>
+          <p:cNvPicPr>
+            <a:picLocks noChangeAspect="1"/>
+          </p:cNvPicPr>
+          <p:nvPr/>
+        </p:nvPicPr>
+        <p:blipFill>
+          <a:blip r:embed="rId3">
+            <a:extLst>
+              <a:ext uri="{28A0092B-C50C-407E-A947-70E740481C1C}">
+                <a14:useLocalDpi xmlns:a14="http://schemas.microsoft.com/office/drawing/2010/main" val="0"/>
+              </a:ext>
+            </a:extLst>
+          </a:blip>
+          <a:stretch>
+            <a:fillRect/>
+          </a:stretch>
+        </p:blipFill>
+        <p:spPr>
+          <a:xfrm>
+            <a:off x="288826" y="3009604"/>
+            <a:ext cx="2710846" cy="1113584"/>
+          </a:xfrm>
+          <a:prstGeom prst="rect">
+            <a:avLst/>
+          </a:prstGeom>
+        </p:spPr>
+      </p:pic>
+      <p:sp>
+        <p:nvSpPr>
+          <p:cNvPr id="5" name="テキスト ボックス 4">
+            <a:extLst>
+              <a:ext uri="{FF2B5EF4-FFF2-40B4-BE49-F238E27FC236}">
+                <a16:creationId xmlns:a16="http://schemas.microsoft.com/office/drawing/2014/main" id="{19DBF42F-066D-408B-8858-564D4776636A}"/>
+              </a:ext>
+            </a:extLst>
+          </p:cNvPr>
+          <p:cNvSpPr txBox="1"/>
+          <p:nvPr/>
+        </p:nvSpPr>
+        <p:spPr>
+          <a:xfrm>
+            <a:off x="397754" y="4373690"/>
+            <a:ext cx="2492990" cy="369332"/>
+          </a:xfrm>
+          <a:prstGeom prst="rect">
+            <a:avLst/>
+          </a:prstGeom>
+          <a:noFill/>
+        </p:spPr>
+        <p:txBody>
+          <a:bodyPr wrap="none" rtlCol="0">
+            <a:spAutoFit/>
+          </a:bodyPr>
+          <a:lstStyle/>
+          <a:p>
+            <a:r>
+              <a:rPr kumimoji="1" lang="ja-JP" altLang="en-US" dirty="0"/>
+              <a:t>ある期間の充電データ</a:t>
+            </a:r>
+          </a:p>
+        </p:txBody>
+      </p:sp>
+      <p:sp>
+        <p:nvSpPr>
+          <p:cNvPr id="6" name="テキスト ボックス 5">
+            <a:extLst>
+              <a:ext uri="{FF2B5EF4-FFF2-40B4-BE49-F238E27FC236}">
+                <a16:creationId xmlns:a16="http://schemas.microsoft.com/office/drawing/2014/main" id="{6D6BAF68-3EE7-4E60-BBE8-704FB0ACB161}"/>
+              </a:ext>
+            </a:extLst>
+          </p:cNvPr>
+          <p:cNvSpPr txBox="1"/>
+          <p:nvPr/>
+        </p:nvSpPr>
+        <p:spPr>
+          <a:xfrm>
+            <a:off x="4604915" y="1957667"/>
+            <a:ext cx="2587336" cy="923330"/>
+          </a:xfrm>
+          <a:prstGeom prst="rect">
+            <a:avLst/>
+          </a:prstGeom>
+          <a:noFill/>
+        </p:spPr>
+        <p:txBody>
+          <a:bodyPr wrap="square" rtlCol="0">
+            <a:spAutoFit/>
+          </a:bodyPr>
+          <a:lstStyle/>
+          <a:p>
+            <a:r>
+              <a:rPr kumimoji="1" lang="en-US" altLang="ja-JP" dirty="0" err="1"/>
+              <a:t>SetEVModel</a:t>
+            </a:r>
+            <a:r>
+              <a:rPr kumimoji="1" lang="en-US" altLang="ja-JP" dirty="0"/>
+              <a:t>:</a:t>
+            </a:r>
+            <a:r>
+              <a:rPr kumimoji="1" lang="ja-JP" altLang="en-US" dirty="0"/>
+              <a:t>計測データから機械学習モデルを訓練する</a:t>
+            </a:r>
+          </a:p>
+        </p:txBody>
+      </p:sp>
+      <p:sp>
+        <p:nvSpPr>
+          <p:cNvPr id="7" name="テキスト ボックス 6">
+            <a:extLst>
+              <a:ext uri="{FF2B5EF4-FFF2-40B4-BE49-F238E27FC236}">
+                <a16:creationId xmlns:a16="http://schemas.microsoft.com/office/drawing/2014/main" id="{B0F78FC3-C10F-486D-892E-B2F9E77F8E0F}"/>
+              </a:ext>
+            </a:extLst>
+          </p:cNvPr>
+          <p:cNvSpPr txBox="1"/>
+          <p:nvPr/>
+        </p:nvSpPr>
+        <p:spPr>
+          <a:xfrm>
+            <a:off x="4604915" y="3424456"/>
+            <a:ext cx="2587336" cy="923330"/>
+          </a:xfrm>
+          <a:prstGeom prst="rect">
+            <a:avLst/>
+          </a:prstGeom>
+          <a:noFill/>
+        </p:spPr>
+        <p:txBody>
+          <a:bodyPr wrap="square" rtlCol="0">
+            <a:spAutoFit/>
+          </a:bodyPr>
+          <a:lstStyle/>
+          <a:p>
+            <a:r>
+              <a:rPr kumimoji="1" lang="ja-JP" altLang="en-US" dirty="0"/>
+              <a:t>ある日の機械学習モデルの結果から長期間の予測データを作成する</a:t>
+            </a:r>
+          </a:p>
+        </p:txBody>
+      </p:sp>
     </p:spTree>
     <p:extLst>
       <p:ext uri="{BB962C8B-B14F-4D97-AF65-F5344CB8AC3E}">
@@ -8755,10 +8141,10 @@
       </p:sp>
       <p:sp>
         <p:nvSpPr>
-          <p:cNvPr id="15" name="正方形/長方形 14">
+          <p:cNvPr id="16" name="正方形/長方形 15">
             <a:extLst>
               <a:ext uri="{FF2B5EF4-FFF2-40B4-BE49-F238E27FC236}">
-                <a16:creationId xmlns:a16="http://schemas.microsoft.com/office/drawing/2014/main" id="{82B4FF61-7241-4E17-8D80-794567B8042C}"/>
+                <a16:creationId xmlns:a16="http://schemas.microsoft.com/office/drawing/2014/main" id="{0181D5C5-6F14-434C-ACC5-1E2A78D12E49}"/>
               </a:ext>
             </a:extLst>
           </p:cNvPr>
@@ -8767,7 +8153,7 @@
         </p:nvSpPr>
         <p:spPr>
           <a:xfrm>
-            <a:off x="6980555" y="2448293"/>
+            <a:off x="1626815" y="4442346"/>
             <a:ext cx="1876406" cy="360218"/>
           </a:xfrm>
           <a:prstGeom prst="rect">
@@ -8807,7 +8193,7 @@
                   <a:schemeClr val="tx1"/>
                 </a:solidFill>
               </a:rPr>
-              <a:t>Train LSTM</a:t>
+              <a:t>Calculate error</a:t>
             </a:r>
             <a:endParaRPr kumimoji="1" lang="ja-JP" altLang="en-US" dirty="0">
               <a:solidFill>
@@ -8819,10 +8205,10 @@
       </p:sp>
       <p:sp>
         <p:nvSpPr>
-          <p:cNvPr id="16" name="正方形/長方形 15">
+          <p:cNvPr id="17" name="正方形/長方形 16">
             <a:extLst>
               <a:ext uri="{FF2B5EF4-FFF2-40B4-BE49-F238E27FC236}">
-                <a16:creationId xmlns:a16="http://schemas.microsoft.com/office/drawing/2014/main" id="{0181D5C5-6F14-434C-ACC5-1E2A78D12E49}"/>
+                <a16:creationId xmlns:a16="http://schemas.microsoft.com/office/drawing/2014/main" id="{5CEFC03B-DE4A-44C8-BAAD-FD1DB841C08D}"/>
               </a:ext>
             </a:extLst>
           </p:cNvPr>
@@ -8831,7 +8217,7 @@
         </p:nvSpPr>
         <p:spPr>
           <a:xfrm>
-            <a:off x="1626815" y="4442346"/>
+            <a:off x="1626815" y="4937914"/>
             <a:ext cx="1876406" cy="360218"/>
           </a:xfrm>
           <a:prstGeom prst="rect">
@@ -8866,14 +8252,14 @@
           <a:p>
             <a:pPr algn="ctr"/>
             <a:r>
-              <a:rPr kumimoji="1" lang="en-US" altLang="ja-JP" dirty="0">
+              <a:rPr kumimoji="1" lang="en-US" altLang="ja-JP" sz="1400" dirty="0">
                 <a:solidFill>
                   <a:schemeClr val="tx1"/>
                 </a:solidFill>
               </a:rPr>
-              <a:t>Calculate error</a:t>
-            </a:r>
-            <a:endParaRPr kumimoji="1" lang="ja-JP" altLang="en-US" dirty="0">
+              <a:t>Get error distribution</a:t>
+            </a:r>
+            <a:endParaRPr kumimoji="1" lang="ja-JP" altLang="en-US" sz="1400" dirty="0">
               <a:solidFill>
                 <a:schemeClr val="tx1"/>
               </a:solidFill>
@@ -8883,10 +8269,10 @@
       </p:sp>
       <p:sp>
         <p:nvSpPr>
-          <p:cNvPr id="17" name="正方形/長方形 16">
+          <p:cNvPr id="18" name="正方形/長方形 17">
             <a:extLst>
               <a:ext uri="{FF2B5EF4-FFF2-40B4-BE49-F238E27FC236}">
-                <a16:creationId xmlns:a16="http://schemas.microsoft.com/office/drawing/2014/main" id="{5CEFC03B-DE4A-44C8-BAAD-FD1DB841C08D}"/>
+                <a16:creationId xmlns:a16="http://schemas.microsoft.com/office/drawing/2014/main" id="{E9F5BD4F-707F-48AE-B840-047B6442AB1F}"/>
               </a:ext>
             </a:extLst>
           </p:cNvPr>
@@ -8895,7 +8281,7 @@
         </p:nvSpPr>
         <p:spPr>
           <a:xfrm>
-            <a:off x="1626815" y="4937914"/>
+            <a:off x="1626815" y="5433482"/>
             <a:ext cx="1876406" cy="360218"/>
           </a:xfrm>
           <a:prstGeom prst="rect">
@@ -8930,14 +8316,14 @@
           <a:p>
             <a:pPr algn="ctr"/>
             <a:r>
-              <a:rPr kumimoji="1" lang="en-US" altLang="ja-JP" sz="1400" dirty="0">
+              <a:rPr kumimoji="1" lang="en-US" altLang="ja-JP" dirty="0">
                 <a:solidFill>
                   <a:schemeClr val="tx1"/>
                 </a:solidFill>
               </a:rPr>
-              <a:t>Get error distribution</a:t>
-            </a:r>
-            <a:endParaRPr kumimoji="1" lang="ja-JP" altLang="en-US" sz="1400" dirty="0">
+              <a:t>Save .mat files</a:t>
+            </a:r>
+            <a:endParaRPr kumimoji="1" lang="ja-JP" altLang="en-US" dirty="0">
               <a:solidFill>
                 <a:schemeClr val="tx1"/>
               </a:solidFill>
@@ -8947,10 +8333,10 @@
       </p:sp>
       <p:sp>
         <p:nvSpPr>
-          <p:cNvPr id="18" name="正方形/長方形 17">
+          <p:cNvPr id="19" name="フローチャート: 結合子 18">
             <a:extLst>
               <a:ext uri="{FF2B5EF4-FFF2-40B4-BE49-F238E27FC236}">
-                <a16:creationId xmlns:a16="http://schemas.microsoft.com/office/drawing/2014/main" id="{E9F5BD4F-707F-48AE-B840-047B6442AB1F}"/>
+                <a16:creationId xmlns:a16="http://schemas.microsoft.com/office/drawing/2014/main" id="{DCD59B6A-8B69-42D5-99DC-8ECDCA88ABA7}"/>
               </a:ext>
             </a:extLst>
           </p:cNvPr>
@@ -8959,16 +8345,16 @@
         </p:nvSpPr>
         <p:spPr>
           <a:xfrm>
-            <a:off x="1626815" y="5433482"/>
-            <a:ext cx="1876406" cy="360218"/>
-          </a:xfrm>
-          <a:prstGeom prst="rect">
+            <a:off x="9029207" y="1438873"/>
+            <a:ext cx="364175" cy="375041"/>
+          </a:xfrm>
+          <a:prstGeom prst="flowChartConnector">
             <a:avLst/>
           </a:prstGeom>
           <a:solidFill>
-            <a:schemeClr val="tx2">
-              <a:lumMod val="10000"/>
-              <a:lumOff val="90000"/>
+            <a:schemeClr val="accent1">
+              <a:lumMod val="60000"/>
+              <a:lumOff val="40000"/>
             </a:schemeClr>
           </a:solidFill>
         </p:spPr>
@@ -8994,27 +8380,19 @@
           <a:p>
             <a:pPr algn="ctr"/>
             <a:r>
-              <a:rPr kumimoji="1" lang="en-US" altLang="ja-JP" dirty="0">
-                <a:solidFill>
-                  <a:schemeClr val="tx1"/>
-                </a:solidFill>
-              </a:rPr>
-              <a:t>Save .mat files</a:t>
-            </a:r>
-            <a:endParaRPr kumimoji="1" lang="ja-JP" altLang="en-US" dirty="0">
-              <a:solidFill>
-                <a:schemeClr val="tx1"/>
-              </a:solidFill>
-            </a:endParaRPr>
-          </a:p>
-        </p:txBody>
-      </p:sp>
-      <p:sp>
-        <p:nvSpPr>
-          <p:cNvPr id="19" name="フローチャート: 結合子 18">
+              <a:rPr kumimoji="1" lang="en-US" altLang="ja-JP" sz="2800" dirty="0"/>
+              <a:t>1</a:t>
+            </a:r>
+            <a:endParaRPr kumimoji="1" lang="ja-JP" altLang="en-US" sz="2800" dirty="0"/>
+          </a:p>
+        </p:txBody>
+      </p:sp>
+      <p:sp>
+        <p:nvSpPr>
+          <p:cNvPr id="21" name="フローチャート: 結合子 20">
             <a:extLst>
               <a:ext uri="{FF2B5EF4-FFF2-40B4-BE49-F238E27FC236}">
-                <a16:creationId xmlns:a16="http://schemas.microsoft.com/office/drawing/2014/main" id="{DCD59B6A-8B69-42D5-99DC-8ECDCA88ABA7}"/>
+                <a16:creationId xmlns:a16="http://schemas.microsoft.com/office/drawing/2014/main" id="{D0DDB29D-8FC2-47C1-853F-FFE11230A067}"/>
               </a:ext>
             </a:extLst>
           </p:cNvPr>
@@ -9023,7 +8401,7 @@
         </p:nvSpPr>
         <p:spPr>
           <a:xfrm>
-            <a:off x="9029207" y="1438873"/>
+            <a:off x="9029207" y="1928760"/>
             <a:ext cx="364175" cy="375041"/>
           </a:xfrm>
           <a:prstGeom prst="flowChartConnector">
@@ -9059,7 +8437,7 @@
             <a:pPr algn="ctr"/>
             <a:r>
               <a:rPr kumimoji="1" lang="en-US" altLang="ja-JP" sz="2800" dirty="0"/>
-              <a:t>1</a:t>
+              <a:t>2</a:t>
             </a:r>
             <a:endParaRPr kumimoji="1" lang="ja-JP" altLang="en-US" sz="2800" dirty="0"/>
           </a:p>
@@ -9067,10 +8445,10 @@
       </p:sp>
       <p:sp>
         <p:nvSpPr>
-          <p:cNvPr id="21" name="フローチャート: 結合子 20">
+          <p:cNvPr id="23" name="正方形/長方形 22">
             <a:extLst>
               <a:ext uri="{FF2B5EF4-FFF2-40B4-BE49-F238E27FC236}">
-                <a16:creationId xmlns:a16="http://schemas.microsoft.com/office/drawing/2014/main" id="{D0DDB29D-8FC2-47C1-853F-FFE11230A067}"/>
+                <a16:creationId xmlns:a16="http://schemas.microsoft.com/office/drawing/2014/main" id="{BCE04846-3EB1-4760-B130-0BFB972967FC}"/>
               </a:ext>
             </a:extLst>
           </p:cNvPr>
@@ -9079,16 +8457,16 @@
         </p:nvSpPr>
         <p:spPr>
           <a:xfrm>
-            <a:off x="9029207" y="1928760"/>
-            <a:ext cx="364175" cy="375041"/>
-          </a:xfrm>
-          <a:prstGeom prst="flowChartConnector">
+            <a:off x="4124592" y="2947788"/>
+            <a:ext cx="1876406" cy="360218"/>
+          </a:xfrm>
+          <a:prstGeom prst="rect">
             <a:avLst/>
           </a:prstGeom>
           <a:solidFill>
-            <a:schemeClr val="accent1">
-              <a:lumMod val="60000"/>
-              <a:lumOff val="40000"/>
+            <a:schemeClr val="tx2">
+              <a:lumMod val="10000"/>
+              <a:lumOff val="90000"/>
             </a:schemeClr>
           </a:solidFill>
         </p:spPr>
@@ -9114,19 +8492,27 @@
           <a:p>
             <a:pPr algn="ctr"/>
             <a:r>
-              <a:rPr kumimoji="1" lang="en-US" altLang="ja-JP" sz="2800" dirty="0"/>
-              <a:t>2</a:t>
-            </a:r>
-            <a:endParaRPr kumimoji="1" lang="ja-JP" altLang="en-US" sz="2800" dirty="0"/>
-          </a:p>
-        </p:txBody>
-      </p:sp>
-      <p:sp>
-        <p:nvSpPr>
-          <p:cNvPr id="22" name="フローチャート: 結合子 21">
+              <a:rPr kumimoji="1" lang="en-US" altLang="ja-JP" sz="1200" dirty="0">
+                <a:solidFill>
+                  <a:schemeClr val="tx1"/>
+                </a:solidFill>
+              </a:rPr>
+              <a:t>Forecast using k-means</a:t>
+            </a:r>
+            <a:endParaRPr kumimoji="1" lang="ja-JP" altLang="en-US" sz="1200" dirty="0">
+              <a:solidFill>
+                <a:schemeClr val="tx1"/>
+              </a:solidFill>
+            </a:endParaRPr>
+          </a:p>
+        </p:txBody>
+      </p:sp>
+      <p:sp>
+        <p:nvSpPr>
+          <p:cNvPr id="24" name="正方形/長方形 23">
             <a:extLst>
               <a:ext uri="{FF2B5EF4-FFF2-40B4-BE49-F238E27FC236}">
-                <a16:creationId xmlns:a16="http://schemas.microsoft.com/office/drawing/2014/main" id="{3F226ED1-F80E-4B0E-B0AA-89AC74A32370}"/>
+                <a16:creationId xmlns:a16="http://schemas.microsoft.com/office/drawing/2014/main" id="{0180D76C-CA0C-4717-B662-E35E61EA4F60}"/>
               </a:ext>
             </a:extLst>
           </p:cNvPr>
@@ -9135,16 +8521,16 @@
         </p:nvSpPr>
         <p:spPr>
           <a:xfrm>
-            <a:off x="9029207" y="2418647"/>
-            <a:ext cx="364175" cy="375041"/>
-          </a:xfrm>
-          <a:prstGeom prst="flowChartConnector">
+            <a:off x="4124592" y="3447283"/>
+            <a:ext cx="1876406" cy="360218"/>
+          </a:xfrm>
+          <a:prstGeom prst="rect">
             <a:avLst/>
           </a:prstGeom>
           <a:solidFill>
-            <a:schemeClr val="accent1">
-              <a:lumMod val="60000"/>
-              <a:lumOff val="40000"/>
+            <a:schemeClr val="tx2">
+              <a:lumMod val="10000"/>
+              <a:lumOff val="90000"/>
             </a:schemeClr>
           </a:solidFill>
         </p:spPr>
@@ -9170,19 +8556,35 @@
           <a:p>
             <a:pPr algn="ctr"/>
             <a:r>
-              <a:rPr kumimoji="1" lang="en-US" altLang="ja-JP" sz="2400" dirty="0"/>
-              <a:t>3</a:t>
-            </a:r>
-            <a:endParaRPr kumimoji="1" lang="ja-JP" altLang="en-US" sz="2400" dirty="0"/>
-          </a:p>
-        </p:txBody>
-      </p:sp>
-      <p:sp>
-        <p:nvSpPr>
-          <p:cNvPr id="23" name="正方形/長方形 22">
+              <a:rPr kumimoji="1" lang="en-US" altLang="ja-JP" sz="1200" dirty="0">
+                <a:solidFill>
+                  <a:schemeClr val="tx1"/>
+                </a:solidFill>
+              </a:rPr>
+              <a:t>Forecast using </a:t>
+            </a:r>
+            <a:r>
+              <a:rPr kumimoji="1" lang="en-US" altLang="ja-JP" sz="1200" dirty="0" err="1">
+                <a:solidFill>
+                  <a:schemeClr val="tx1"/>
+                </a:solidFill>
+              </a:rPr>
+              <a:t>neuralNet</a:t>
+            </a:r>
+            <a:endParaRPr kumimoji="1" lang="ja-JP" altLang="en-US" sz="1200" dirty="0">
+              <a:solidFill>
+                <a:schemeClr val="tx1"/>
+              </a:solidFill>
+            </a:endParaRPr>
+          </a:p>
+        </p:txBody>
+      </p:sp>
+      <p:sp>
+        <p:nvSpPr>
+          <p:cNvPr id="26" name="正方形/長方形 25">
             <a:extLst>
               <a:ext uri="{FF2B5EF4-FFF2-40B4-BE49-F238E27FC236}">
-                <a16:creationId xmlns:a16="http://schemas.microsoft.com/office/drawing/2014/main" id="{BCE04846-3EB1-4760-B130-0BFB972967FC}"/>
+                <a16:creationId xmlns:a16="http://schemas.microsoft.com/office/drawing/2014/main" id="{70EB96AD-1FE9-4B48-964B-479E2CA07DB9}"/>
               </a:ext>
             </a:extLst>
           </p:cNvPr>
@@ -9191,7 +8593,7 @@
         </p:nvSpPr>
         <p:spPr>
           <a:xfrm>
-            <a:off x="4124592" y="2947788"/>
+            <a:off x="1626815" y="2947788"/>
             <a:ext cx="1876406" cy="360218"/>
           </a:xfrm>
           <a:prstGeom prst="rect">
@@ -9231,7 +8633,7 @@
                   <a:schemeClr val="tx1"/>
                 </a:solidFill>
               </a:rPr>
-              <a:t>Forecast using k-means</a:t>
+              <a:t>Validate the Performance of each model</a:t>
             </a:r>
             <a:endParaRPr kumimoji="1" lang="ja-JP" altLang="en-US" sz="1200" dirty="0">
               <a:solidFill>
@@ -9243,10 +8645,10 @@
       </p:sp>
       <p:sp>
         <p:nvSpPr>
-          <p:cNvPr id="24" name="正方形/長方形 23">
+          <p:cNvPr id="27" name="フローチャート: 結合子 26">
             <a:extLst>
               <a:ext uri="{FF2B5EF4-FFF2-40B4-BE49-F238E27FC236}">
-                <a16:creationId xmlns:a16="http://schemas.microsoft.com/office/drawing/2014/main" id="{0180D76C-CA0C-4717-B662-E35E61EA4F60}"/>
+                <a16:creationId xmlns:a16="http://schemas.microsoft.com/office/drawing/2014/main" id="{95A40C64-35A4-4F3D-8B1E-F2FC5CDBAB3E}"/>
               </a:ext>
             </a:extLst>
           </p:cNvPr>
@@ -9255,16 +8657,16 @@
         </p:nvSpPr>
         <p:spPr>
           <a:xfrm>
-            <a:off x="4124592" y="3447283"/>
-            <a:ext cx="1876406" cy="360218"/>
-          </a:xfrm>
-          <a:prstGeom prst="rect">
+            <a:off x="6123710" y="2947788"/>
+            <a:ext cx="364175" cy="375041"/>
+          </a:xfrm>
+          <a:prstGeom prst="flowChartConnector">
             <a:avLst/>
           </a:prstGeom>
           <a:solidFill>
-            <a:schemeClr val="tx2">
-              <a:lumMod val="10000"/>
-              <a:lumOff val="90000"/>
+            <a:schemeClr val="accent1">
+              <a:lumMod val="60000"/>
+              <a:lumOff val="40000"/>
             </a:schemeClr>
           </a:solidFill>
         </p:spPr>
@@ -9290,35 +8692,19 @@
           <a:p>
             <a:pPr algn="ctr"/>
             <a:r>
-              <a:rPr kumimoji="1" lang="en-US" altLang="ja-JP" sz="1200" dirty="0">
-                <a:solidFill>
-                  <a:schemeClr val="tx1"/>
-                </a:solidFill>
-              </a:rPr>
-              <a:t>Forecast using </a:t>
-            </a:r>
-            <a:r>
-              <a:rPr kumimoji="1" lang="en-US" altLang="ja-JP" sz="1200" dirty="0" err="1">
-                <a:solidFill>
-                  <a:schemeClr val="tx1"/>
-                </a:solidFill>
-              </a:rPr>
-              <a:t>neuralNet</a:t>
-            </a:r>
-            <a:endParaRPr kumimoji="1" lang="ja-JP" altLang="en-US" sz="1200" dirty="0">
-              <a:solidFill>
-                <a:schemeClr val="tx1"/>
-              </a:solidFill>
-            </a:endParaRPr>
-          </a:p>
-        </p:txBody>
-      </p:sp>
-      <p:sp>
-        <p:nvSpPr>
-          <p:cNvPr id="25" name="正方形/長方形 24">
+              <a:rPr kumimoji="1" lang="en-US" altLang="ja-JP" sz="2400" dirty="0"/>
+              <a:t>4</a:t>
+            </a:r>
+            <a:endParaRPr kumimoji="1" lang="ja-JP" altLang="en-US" sz="2400" dirty="0"/>
+          </a:p>
+        </p:txBody>
+      </p:sp>
+      <p:sp>
+        <p:nvSpPr>
+          <p:cNvPr id="28" name="フローチャート: 結合子 27">
             <a:extLst>
               <a:ext uri="{FF2B5EF4-FFF2-40B4-BE49-F238E27FC236}">
-                <a16:creationId xmlns:a16="http://schemas.microsoft.com/office/drawing/2014/main" id="{CBBAC1A5-951A-42BE-A9CF-082AE8757D26}"/>
+                <a16:creationId xmlns:a16="http://schemas.microsoft.com/office/drawing/2014/main" id="{E9CEE249-D5EB-467C-A96D-707856684285}"/>
               </a:ext>
             </a:extLst>
           </p:cNvPr>
@@ -9327,16 +8713,16 @@
         </p:nvSpPr>
         <p:spPr>
           <a:xfrm>
-            <a:off x="4124592" y="3947753"/>
-            <a:ext cx="1876406" cy="360218"/>
-          </a:xfrm>
-          <a:prstGeom prst="rect">
+            <a:off x="6117773" y="3432460"/>
+            <a:ext cx="364175" cy="375041"/>
+          </a:xfrm>
+          <a:prstGeom prst="flowChartConnector">
             <a:avLst/>
           </a:prstGeom>
           <a:solidFill>
-            <a:schemeClr val="tx2">
-              <a:lumMod val="10000"/>
-              <a:lumOff val="90000"/>
+            <a:schemeClr val="accent1">
+              <a:lumMod val="60000"/>
+              <a:lumOff val="40000"/>
             </a:schemeClr>
           </a:solidFill>
         </p:spPr>
@@ -9362,248 +8748,8 @@
           <a:p>
             <a:pPr algn="ctr"/>
             <a:r>
-              <a:rPr kumimoji="1" lang="en-US" altLang="ja-JP" sz="1400" dirty="0">
-                <a:solidFill>
-                  <a:schemeClr val="tx1"/>
-                </a:solidFill>
-              </a:rPr>
-              <a:t>Forecast using LSTM</a:t>
-            </a:r>
-            <a:endParaRPr kumimoji="1" lang="ja-JP" altLang="en-US" sz="1400" dirty="0">
-              <a:solidFill>
-                <a:schemeClr val="tx1"/>
-              </a:solidFill>
-            </a:endParaRPr>
-          </a:p>
-        </p:txBody>
-      </p:sp>
-      <p:sp>
-        <p:nvSpPr>
-          <p:cNvPr id="26" name="正方形/長方形 25">
-            <a:extLst>
-              <a:ext uri="{FF2B5EF4-FFF2-40B4-BE49-F238E27FC236}">
-                <a16:creationId xmlns:a16="http://schemas.microsoft.com/office/drawing/2014/main" id="{70EB96AD-1FE9-4B48-964B-479E2CA07DB9}"/>
-              </a:ext>
-            </a:extLst>
-          </p:cNvPr>
-          <p:cNvSpPr/>
-          <p:nvPr/>
-        </p:nvSpPr>
-        <p:spPr>
-          <a:xfrm>
-            <a:off x="1626815" y="2947788"/>
-            <a:ext cx="1876406" cy="360218"/>
-          </a:xfrm>
-          <a:prstGeom prst="rect">
-            <a:avLst/>
-          </a:prstGeom>
-          <a:solidFill>
-            <a:schemeClr val="tx2">
-              <a:lumMod val="10000"/>
-              <a:lumOff val="90000"/>
-            </a:schemeClr>
-          </a:solidFill>
-        </p:spPr>
-        <p:style>
-          <a:lnRef idx="2">
-            <a:schemeClr val="accent1">
-              <a:shade val="50000"/>
-            </a:schemeClr>
-          </a:lnRef>
-          <a:fillRef idx="1">
-            <a:schemeClr val="accent1"/>
-          </a:fillRef>
-          <a:effectRef idx="0">
-            <a:schemeClr val="accent1"/>
-          </a:effectRef>
-          <a:fontRef idx="minor">
-            <a:schemeClr val="lt1"/>
-          </a:fontRef>
-        </p:style>
-        <p:txBody>
-          <a:bodyPr rtlCol="0" anchor="ctr"/>
-          <a:lstStyle/>
-          <a:p>
-            <a:pPr algn="ctr"/>
-            <a:r>
-              <a:rPr kumimoji="1" lang="en-US" altLang="ja-JP" sz="1200" dirty="0">
-                <a:solidFill>
-                  <a:schemeClr val="tx1"/>
-                </a:solidFill>
-              </a:rPr>
-              <a:t>Validate the Performance of each model</a:t>
-            </a:r>
-            <a:endParaRPr kumimoji="1" lang="ja-JP" altLang="en-US" sz="1200" dirty="0">
-              <a:solidFill>
-                <a:schemeClr val="tx1"/>
-              </a:solidFill>
-            </a:endParaRPr>
-          </a:p>
-        </p:txBody>
-      </p:sp>
-      <p:sp>
-        <p:nvSpPr>
-          <p:cNvPr id="27" name="フローチャート: 結合子 26">
-            <a:extLst>
-              <a:ext uri="{FF2B5EF4-FFF2-40B4-BE49-F238E27FC236}">
-                <a16:creationId xmlns:a16="http://schemas.microsoft.com/office/drawing/2014/main" id="{95A40C64-35A4-4F3D-8B1E-F2FC5CDBAB3E}"/>
-              </a:ext>
-            </a:extLst>
-          </p:cNvPr>
-          <p:cNvSpPr/>
-          <p:nvPr/>
-        </p:nvSpPr>
-        <p:spPr>
-          <a:xfrm>
-            <a:off x="6123710" y="2947788"/>
-            <a:ext cx="364175" cy="375041"/>
-          </a:xfrm>
-          <a:prstGeom prst="flowChartConnector">
-            <a:avLst/>
-          </a:prstGeom>
-          <a:solidFill>
-            <a:schemeClr val="accent1">
-              <a:lumMod val="60000"/>
-              <a:lumOff val="40000"/>
-            </a:schemeClr>
-          </a:solidFill>
-        </p:spPr>
-        <p:style>
-          <a:lnRef idx="2">
-            <a:schemeClr val="accent1">
-              <a:shade val="50000"/>
-            </a:schemeClr>
-          </a:lnRef>
-          <a:fillRef idx="1">
-            <a:schemeClr val="accent1"/>
-          </a:fillRef>
-          <a:effectRef idx="0">
-            <a:schemeClr val="accent1"/>
-          </a:effectRef>
-          <a:fontRef idx="minor">
-            <a:schemeClr val="lt1"/>
-          </a:fontRef>
-        </p:style>
-        <p:txBody>
-          <a:bodyPr rtlCol="0" anchor="ctr"/>
-          <a:lstStyle/>
-          <a:p>
-            <a:pPr algn="ctr"/>
-            <a:r>
-              <a:rPr kumimoji="1" lang="en-US" altLang="ja-JP" sz="2400" dirty="0"/>
-              <a:t>4</a:t>
-            </a:r>
-            <a:endParaRPr kumimoji="1" lang="ja-JP" altLang="en-US" sz="2400" dirty="0"/>
-          </a:p>
-        </p:txBody>
-      </p:sp>
-      <p:sp>
-        <p:nvSpPr>
-          <p:cNvPr id="28" name="フローチャート: 結合子 27">
-            <a:extLst>
-              <a:ext uri="{FF2B5EF4-FFF2-40B4-BE49-F238E27FC236}">
-                <a16:creationId xmlns:a16="http://schemas.microsoft.com/office/drawing/2014/main" id="{E9CEE249-D5EB-467C-A96D-707856684285}"/>
-              </a:ext>
-            </a:extLst>
-          </p:cNvPr>
-          <p:cNvSpPr/>
-          <p:nvPr/>
-        </p:nvSpPr>
-        <p:spPr>
-          <a:xfrm>
-            <a:off x="6117773" y="3432460"/>
-            <a:ext cx="364175" cy="375041"/>
-          </a:xfrm>
-          <a:prstGeom prst="flowChartConnector">
-            <a:avLst/>
-          </a:prstGeom>
-          <a:solidFill>
-            <a:schemeClr val="accent1">
-              <a:lumMod val="60000"/>
-              <a:lumOff val="40000"/>
-            </a:schemeClr>
-          </a:solidFill>
-        </p:spPr>
-        <p:style>
-          <a:lnRef idx="2">
-            <a:schemeClr val="accent1">
-              <a:shade val="50000"/>
-            </a:schemeClr>
-          </a:lnRef>
-          <a:fillRef idx="1">
-            <a:schemeClr val="accent1"/>
-          </a:fillRef>
-          <a:effectRef idx="0">
-            <a:schemeClr val="accent1"/>
-          </a:effectRef>
-          <a:fontRef idx="minor">
-            <a:schemeClr val="lt1"/>
-          </a:fontRef>
-        </p:style>
-        <p:txBody>
-          <a:bodyPr rtlCol="0" anchor="ctr"/>
-          <a:lstStyle/>
-          <a:p>
-            <a:pPr algn="ctr"/>
-            <a:r>
               <a:rPr kumimoji="1" lang="en-US" altLang="ja-JP" sz="2400" dirty="0"/>
               <a:t>5</a:t>
-            </a:r>
-            <a:endParaRPr kumimoji="1" lang="ja-JP" altLang="en-US" sz="2400" dirty="0"/>
-          </a:p>
-        </p:txBody>
-      </p:sp>
-      <p:sp>
-        <p:nvSpPr>
-          <p:cNvPr id="29" name="フローチャート: 結合子 28">
-            <a:extLst>
-              <a:ext uri="{FF2B5EF4-FFF2-40B4-BE49-F238E27FC236}">
-                <a16:creationId xmlns:a16="http://schemas.microsoft.com/office/drawing/2014/main" id="{A982737F-038E-4F39-B5BB-691609930939}"/>
-              </a:ext>
-            </a:extLst>
-          </p:cNvPr>
-          <p:cNvSpPr/>
-          <p:nvPr/>
-        </p:nvSpPr>
-        <p:spPr>
-          <a:xfrm>
-            <a:off x="6117773" y="3917132"/>
-            <a:ext cx="364175" cy="375041"/>
-          </a:xfrm>
-          <a:prstGeom prst="flowChartConnector">
-            <a:avLst/>
-          </a:prstGeom>
-          <a:solidFill>
-            <a:schemeClr val="accent1">
-              <a:lumMod val="60000"/>
-              <a:lumOff val="40000"/>
-            </a:schemeClr>
-          </a:solidFill>
-        </p:spPr>
-        <p:style>
-          <a:lnRef idx="2">
-            <a:schemeClr val="accent1">
-              <a:shade val="50000"/>
-            </a:schemeClr>
-          </a:lnRef>
-          <a:fillRef idx="1">
-            <a:schemeClr val="accent1"/>
-          </a:fillRef>
-          <a:effectRef idx="0">
-            <a:schemeClr val="accent1"/>
-          </a:effectRef>
-          <a:fontRef idx="minor">
-            <a:schemeClr val="lt1"/>
-          </a:fontRef>
-        </p:style>
-        <p:txBody>
-          <a:bodyPr rtlCol="0" anchor="ctr"/>
-          <a:lstStyle/>
-          <a:p>
-            <a:pPr algn="ctr"/>
-            <a:r>
-              <a:rPr kumimoji="1" lang="en-US" altLang="ja-JP" sz="2400" dirty="0"/>
-              <a:t>6</a:t>
             </a:r>
             <a:endParaRPr kumimoji="1" lang="ja-JP" altLang="en-US" sz="2400" dirty="0"/>
           </a:p>
@@ -9623,7 +8769,7 @@
         </p:nvSpPr>
         <p:spPr>
           <a:xfrm>
-            <a:off x="3892492" y="213756"/>
+            <a:off x="6481948" y="6043056"/>
             <a:ext cx="5972961" cy="369332"/>
           </a:xfrm>
           <a:prstGeom prst="rect">
@@ -9646,6 +8792,41 @@
               <a:t>では何を実現するのか？の説明を追加</a:t>
             </a:r>
             <a:endParaRPr lang="en-US" dirty="0"/>
+          </a:p>
+        </p:txBody>
+      </p:sp>
+      <p:sp>
+        <p:nvSpPr>
+          <p:cNvPr id="20" name="テキスト ボックス 19">
+            <a:extLst>
+              <a:ext uri="{FF2B5EF4-FFF2-40B4-BE49-F238E27FC236}">
+                <a16:creationId xmlns:a16="http://schemas.microsoft.com/office/drawing/2014/main" id="{6DF55393-41B8-47AC-BD28-A79E2183C938}"/>
+              </a:ext>
+            </a:extLst>
+          </p:cNvPr>
+          <p:cNvSpPr txBox="1"/>
+          <p:nvPr/>
+        </p:nvSpPr>
+        <p:spPr>
+          <a:xfrm>
+            <a:off x="4124592" y="206782"/>
+            <a:ext cx="6588435" cy="369332"/>
+          </a:xfrm>
+          <a:prstGeom prst="rect">
+            <a:avLst/>
+          </a:prstGeom>
+          <a:noFill/>
+        </p:spPr>
+        <p:txBody>
+          <a:bodyPr wrap="square" rtlCol="0">
+            <a:spAutoFit/>
+          </a:bodyPr>
+          <a:lstStyle/>
+          <a:p>
+            <a:r>
+              <a:rPr kumimoji="1" lang="ja-JP" altLang="en-US" dirty="0"/>
+              <a:t>計測データから機械学習モデルを訓練する。</a:t>
+            </a:r>
           </a:p>
         </p:txBody>
       </p:sp>
@@ -10456,7 +9637,7 @@
         </p:nvSpPr>
         <p:spPr>
           <a:xfrm>
-            <a:off x="4332573" y="791106"/>
+            <a:off x="6096000" y="5720914"/>
             <a:ext cx="5972961" cy="923330"/>
           </a:xfrm>
           <a:prstGeom prst="rect">
@@ -10490,6 +9671,88 @@
               <a:t>・Ｋの値を決める？どのように？</a:t>
             </a:r>
             <a:endParaRPr lang="en-US" dirty="0"/>
+          </a:p>
+        </p:txBody>
+      </p:sp>
+      <p:sp>
+        <p:nvSpPr>
+          <p:cNvPr id="15" name="テキスト ボックス 14">
+            <a:extLst>
+              <a:ext uri="{FF2B5EF4-FFF2-40B4-BE49-F238E27FC236}">
+                <a16:creationId xmlns:a16="http://schemas.microsoft.com/office/drawing/2014/main" id="{18800730-3C36-4656-B2AC-8557054FD6DE}"/>
+              </a:ext>
+            </a:extLst>
+          </p:cNvPr>
+          <p:cNvSpPr txBox="1"/>
+          <p:nvPr/>
+        </p:nvSpPr>
+        <p:spPr>
+          <a:xfrm>
+            <a:off x="6974282" y="3429000"/>
+            <a:ext cx="3429000" cy="646331"/>
+          </a:xfrm>
+          <a:prstGeom prst="rect">
+            <a:avLst/>
+          </a:prstGeom>
+          <a:noFill/>
+        </p:spPr>
+        <p:txBody>
+          <a:bodyPr wrap="square" rtlCol="0">
+            <a:spAutoFit/>
+          </a:bodyPr>
+          <a:lstStyle/>
+          <a:p>
+            <a:r>
+              <a:rPr kumimoji="1" lang="en-US" altLang="ja-JP" dirty="0"/>
+              <a:t>K-means</a:t>
+            </a:r>
+            <a:r>
+              <a:rPr kumimoji="1" lang="ja-JP" altLang="en-US" dirty="0"/>
+              <a:t>法による予測モデルを訓練する。</a:t>
+            </a:r>
+          </a:p>
+        </p:txBody>
+      </p:sp>
+      <p:sp>
+        <p:nvSpPr>
+          <p:cNvPr id="16" name="テキスト ボックス 15">
+            <a:extLst>
+              <a:ext uri="{FF2B5EF4-FFF2-40B4-BE49-F238E27FC236}">
+                <a16:creationId xmlns:a16="http://schemas.microsoft.com/office/drawing/2014/main" id="{EC9CBEA5-E6CB-4EAF-8188-5D071380F831}"/>
+              </a:ext>
+            </a:extLst>
+          </p:cNvPr>
+          <p:cNvSpPr txBox="1"/>
+          <p:nvPr/>
+        </p:nvSpPr>
+        <p:spPr>
+          <a:xfrm>
+            <a:off x="6974282" y="4438057"/>
+            <a:ext cx="3773772" cy="646331"/>
+          </a:xfrm>
+          <a:prstGeom prst="rect">
+            <a:avLst/>
+          </a:prstGeom>
+          <a:noFill/>
+        </p:spPr>
+        <p:txBody>
+          <a:bodyPr wrap="square" rtlCol="0">
+            <a:spAutoFit/>
+          </a:bodyPr>
+          <a:lstStyle/>
+          <a:p>
+            <a:r>
+              <a:rPr kumimoji="1" lang="ja-JP" altLang="en-US" dirty="0"/>
+              <a:t>エルボー･カーブ法に基づいて</a:t>
+            </a:r>
+            <a:r>
+              <a:rPr kumimoji="1" lang="en-US" altLang="ja-JP" dirty="0"/>
+              <a:t>K</a:t>
+            </a:r>
+            <a:r>
+              <a:rPr kumimoji="1" lang="ja-JP" altLang="en-US" dirty="0"/>
+              <a:t>を決定する</a:t>
+            </a:r>
           </a:p>
         </p:txBody>
       </p:sp>
@@ -11017,6 +10280,41 @@
           </a:p>
         </p:txBody>
       </p:sp>
+      <p:sp>
+        <p:nvSpPr>
+          <p:cNvPr id="2" name="テキスト ボックス 1">
+            <a:extLst>
+              <a:ext uri="{FF2B5EF4-FFF2-40B4-BE49-F238E27FC236}">
+                <a16:creationId xmlns:a16="http://schemas.microsoft.com/office/drawing/2014/main" id="{F59F74DF-9DD3-4666-825E-01691E6F29F4}"/>
+              </a:ext>
+            </a:extLst>
+          </p:cNvPr>
+          <p:cNvSpPr txBox="1"/>
+          <p:nvPr/>
+        </p:nvSpPr>
+        <p:spPr>
+          <a:xfrm>
+            <a:off x="6531380" y="306255"/>
+            <a:ext cx="3618120" cy="646331"/>
+          </a:xfrm>
+          <a:prstGeom prst="rect">
+            <a:avLst/>
+          </a:prstGeom>
+          <a:noFill/>
+        </p:spPr>
+        <p:txBody>
+          <a:bodyPr wrap="square" rtlCol="0">
+            <a:spAutoFit/>
+          </a:bodyPr>
+          <a:lstStyle/>
+          <a:p>
+            <a:r>
+              <a:rPr kumimoji="1" lang="ja-JP" altLang="en-US" dirty="0"/>
+              <a:t>ニューラルネットワークを用いた予測モデルを訓練する</a:t>
+            </a:r>
+          </a:p>
+        </p:txBody>
+      </p:sp>
     </p:spTree>
     <p:extLst>
       <p:ext uri="{BB962C8B-B14F-4D97-AF65-F5344CB8AC3E}">
@@ -11052,7 +10350,7 @@
           <p:cNvPr id="4" name="フローチャート: 結合子 3">
             <a:extLst>
               <a:ext uri="{FF2B5EF4-FFF2-40B4-BE49-F238E27FC236}">
-                <a16:creationId xmlns:a16="http://schemas.microsoft.com/office/drawing/2014/main" id="{3263DAD3-CF6E-42FD-A22D-0A0141A6DA01}"/>
+                <a16:creationId xmlns:a16="http://schemas.microsoft.com/office/drawing/2014/main" id="{700F3E9B-B8BE-4F70-9D04-73E22D1B17FE}"/>
               </a:ext>
             </a:extLst>
           </p:cNvPr>
@@ -11097,7 +10395,7 @@
             <a:pPr algn="ctr"/>
             <a:r>
               <a:rPr kumimoji="1" lang="en-US" altLang="ja-JP" sz="2800" dirty="0"/>
-              <a:t>3</a:t>
+              <a:t>4</a:t>
             </a:r>
             <a:endParaRPr kumimoji="1" lang="ja-JP" altLang="en-US" sz="2800" dirty="0"/>
           </a:p>
@@ -11108,7 +10406,7 @@
           <p:cNvPr id="5" name="タイトル 1">
             <a:extLst>
               <a:ext uri="{FF2B5EF4-FFF2-40B4-BE49-F238E27FC236}">
-                <a16:creationId xmlns:a16="http://schemas.microsoft.com/office/drawing/2014/main" id="{58655C94-9B5A-4424-917F-9BC16981043E}"/>
+                <a16:creationId xmlns:a16="http://schemas.microsoft.com/office/drawing/2014/main" id="{D1C843A2-2C20-41CE-A166-DF3E2B355342}"/>
               </a:ext>
             </a:extLst>
           </p:cNvPr>
@@ -11220,16 +10518,318 @@
             </a:r>
             <a:r>
               <a:rPr lang="en-US" altLang="ja-JP" sz="2400" dirty="0"/>
-              <a:t>   Train LSTM</a:t>
+              <a:t>  Forecast using k-means</a:t>
             </a:r>
             <a:endParaRPr lang="ja-JP" altLang="en-US" sz="2400" dirty="0"/>
+          </a:p>
+        </p:txBody>
+      </p:sp>
+      <p:sp>
+        <p:nvSpPr>
+          <p:cNvPr id="6" name="正方形/長方形 5">
+            <a:extLst>
+              <a:ext uri="{FF2B5EF4-FFF2-40B4-BE49-F238E27FC236}">
+                <a16:creationId xmlns:a16="http://schemas.microsoft.com/office/drawing/2014/main" id="{CD01FBA2-488A-4C06-BC16-385A96CC8C99}"/>
+              </a:ext>
+            </a:extLst>
+          </p:cNvPr>
+          <p:cNvSpPr/>
+          <p:nvPr/>
+        </p:nvSpPr>
+        <p:spPr>
+          <a:xfrm>
+            <a:off x="1626815" y="934163"/>
+            <a:ext cx="1876406" cy="360218"/>
+          </a:xfrm>
+          <a:prstGeom prst="rect">
+            <a:avLst/>
+          </a:prstGeom>
+          <a:solidFill>
+            <a:schemeClr val="tx2">
+              <a:lumMod val="10000"/>
+              <a:lumOff val="90000"/>
+            </a:schemeClr>
+          </a:solidFill>
+        </p:spPr>
+        <p:style>
+          <a:lnRef idx="2">
+            <a:schemeClr val="accent1">
+              <a:shade val="50000"/>
+            </a:schemeClr>
+          </a:lnRef>
+          <a:fillRef idx="1">
+            <a:schemeClr val="accent1"/>
+          </a:fillRef>
+          <a:effectRef idx="0">
+            <a:schemeClr val="accent1"/>
+          </a:effectRef>
+          <a:fontRef idx="minor">
+            <a:schemeClr val="lt1"/>
+          </a:fontRef>
+        </p:style>
+        <p:txBody>
+          <a:bodyPr rtlCol="0" anchor="ctr"/>
+          <a:lstStyle/>
+          <a:p>
+            <a:pPr algn="ctr"/>
+            <a:r>
+              <a:rPr kumimoji="1" lang="en-US" altLang="ja-JP" sz="1400" dirty="0">
+                <a:solidFill>
+                  <a:schemeClr val="tx1"/>
+                </a:solidFill>
+              </a:rPr>
+              <a:t>Read input Data</a:t>
+            </a:r>
+            <a:endParaRPr kumimoji="1" lang="ja-JP" altLang="en-US" sz="1400" dirty="0">
+              <a:solidFill>
+                <a:schemeClr val="tx1"/>
+              </a:solidFill>
+            </a:endParaRPr>
+          </a:p>
+        </p:txBody>
+      </p:sp>
+      <p:sp>
+        <p:nvSpPr>
+          <p:cNvPr id="12" name="正方形/長方形 11">
+            <a:extLst>
+              <a:ext uri="{FF2B5EF4-FFF2-40B4-BE49-F238E27FC236}">
+                <a16:creationId xmlns:a16="http://schemas.microsoft.com/office/drawing/2014/main" id="{9A7BBEEA-DAEB-4A9E-AE9E-D532B1559D7C}"/>
+              </a:ext>
+            </a:extLst>
+          </p:cNvPr>
+          <p:cNvSpPr/>
+          <p:nvPr/>
+        </p:nvSpPr>
+        <p:spPr>
+          <a:xfrm>
+            <a:off x="1626814" y="1575445"/>
+            <a:ext cx="1876406" cy="360218"/>
+          </a:xfrm>
+          <a:prstGeom prst="rect">
+            <a:avLst/>
+          </a:prstGeom>
+          <a:solidFill>
+            <a:schemeClr val="tx2">
+              <a:lumMod val="10000"/>
+              <a:lumOff val="90000"/>
+            </a:schemeClr>
+          </a:solidFill>
+        </p:spPr>
+        <p:style>
+          <a:lnRef idx="2">
+            <a:schemeClr val="accent1">
+              <a:shade val="50000"/>
+            </a:schemeClr>
+          </a:lnRef>
+          <a:fillRef idx="1">
+            <a:schemeClr val="accent1"/>
+          </a:fillRef>
+          <a:effectRef idx="0">
+            <a:schemeClr val="accent1"/>
+          </a:effectRef>
+          <a:fontRef idx="minor">
+            <a:schemeClr val="lt1"/>
+          </a:fontRef>
+        </p:style>
+        <p:txBody>
+          <a:bodyPr rtlCol="0" anchor="ctr"/>
+          <a:lstStyle/>
+          <a:p>
+            <a:pPr algn="ctr"/>
+            <a:r>
+              <a:rPr kumimoji="1" lang="en-US" altLang="ja-JP" sz="1400" dirty="0">
+                <a:solidFill>
+                  <a:schemeClr val="tx1"/>
+                </a:solidFill>
+              </a:rPr>
+              <a:t>Change Table to Array</a:t>
+            </a:r>
+            <a:endParaRPr kumimoji="1" lang="ja-JP" altLang="en-US" sz="1400" dirty="0">
+              <a:solidFill>
+                <a:schemeClr val="tx1"/>
+              </a:solidFill>
+            </a:endParaRPr>
+          </a:p>
+        </p:txBody>
+      </p:sp>
+      <p:sp>
+        <p:nvSpPr>
+          <p:cNvPr id="13" name="正方形/長方形 12">
+            <a:extLst>
+              <a:ext uri="{FF2B5EF4-FFF2-40B4-BE49-F238E27FC236}">
+                <a16:creationId xmlns:a16="http://schemas.microsoft.com/office/drawing/2014/main" id="{4B6B475B-A648-46F7-BB6F-46F10AA640E2}"/>
+              </a:ext>
+            </a:extLst>
+          </p:cNvPr>
+          <p:cNvSpPr/>
+          <p:nvPr/>
+        </p:nvSpPr>
+        <p:spPr>
+          <a:xfrm>
+            <a:off x="1626814" y="2216727"/>
+            <a:ext cx="1876406" cy="360218"/>
+          </a:xfrm>
+          <a:prstGeom prst="rect">
+            <a:avLst/>
+          </a:prstGeom>
+          <a:solidFill>
+            <a:schemeClr val="tx2">
+              <a:lumMod val="10000"/>
+              <a:lumOff val="90000"/>
+            </a:schemeClr>
+          </a:solidFill>
+        </p:spPr>
+        <p:style>
+          <a:lnRef idx="2">
+            <a:schemeClr val="accent1">
+              <a:shade val="50000"/>
+            </a:schemeClr>
+          </a:lnRef>
+          <a:fillRef idx="1">
+            <a:schemeClr val="accent1"/>
+          </a:fillRef>
+          <a:effectRef idx="0">
+            <a:schemeClr val="accent1"/>
+          </a:effectRef>
+          <a:fontRef idx="minor">
+            <a:schemeClr val="lt1"/>
+          </a:fontRef>
+        </p:style>
+        <p:txBody>
+          <a:bodyPr rtlCol="0" anchor="ctr"/>
+          <a:lstStyle/>
+          <a:p>
+            <a:pPr algn="ctr"/>
+            <a:r>
+              <a:rPr kumimoji="1" lang="en-US" altLang="ja-JP" sz="1200" dirty="0">
+                <a:solidFill>
+                  <a:schemeClr val="tx1"/>
+                </a:solidFill>
+              </a:rPr>
+              <a:t>Distribute class label using attribute “predict”</a:t>
+            </a:r>
+            <a:endParaRPr kumimoji="1" lang="ja-JP" altLang="en-US" sz="1200" dirty="0">
+              <a:solidFill>
+                <a:schemeClr val="tx1"/>
+              </a:solidFill>
+            </a:endParaRPr>
+          </a:p>
+        </p:txBody>
+      </p:sp>
+      <p:sp>
+        <p:nvSpPr>
+          <p:cNvPr id="14" name="正方形/長方形 13">
+            <a:extLst>
+              <a:ext uri="{FF2B5EF4-FFF2-40B4-BE49-F238E27FC236}">
+                <a16:creationId xmlns:a16="http://schemas.microsoft.com/office/drawing/2014/main" id="{98F30CDD-99F0-42BC-B3C8-D791EC897EB7}"/>
+              </a:ext>
+            </a:extLst>
+          </p:cNvPr>
+          <p:cNvSpPr/>
+          <p:nvPr/>
+        </p:nvSpPr>
+        <p:spPr>
+          <a:xfrm>
+            <a:off x="1626814" y="2858009"/>
+            <a:ext cx="1876406" cy="360218"/>
+          </a:xfrm>
+          <a:prstGeom prst="rect">
+            <a:avLst/>
+          </a:prstGeom>
+          <a:solidFill>
+            <a:schemeClr val="tx2">
+              <a:lumMod val="10000"/>
+              <a:lumOff val="90000"/>
+            </a:schemeClr>
+          </a:solidFill>
+        </p:spPr>
+        <p:style>
+          <a:lnRef idx="2">
+            <a:schemeClr val="accent1">
+              <a:shade val="50000"/>
+            </a:schemeClr>
+          </a:lnRef>
+          <a:fillRef idx="1">
+            <a:schemeClr val="accent1"/>
+          </a:fillRef>
+          <a:effectRef idx="0">
+            <a:schemeClr val="accent1"/>
+          </a:effectRef>
+          <a:fontRef idx="minor">
+            <a:schemeClr val="lt1"/>
+          </a:fontRef>
+        </p:style>
+        <p:txBody>
+          <a:bodyPr rtlCol="0" anchor="ctr"/>
+          <a:lstStyle/>
+          <a:p>
+            <a:pPr algn="ctr"/>
+            <a:r>
+              <a:rPr kumimoji="1" lang="en-US" altLang="ja-JP" sz="1400" dirty="0">
+                <a:solidFill>
+                  <a:schemeClr val="tx1"/>
+                </a:solidFill>
+              </a:rPr>
+              <a:t>Extract centroid as a predicted target</a:t>
+            </a:r>
+            <a:endParaRPr kumimoji="1" lang="ja-JP" altLang="en-US" sz="1400" dirty="0">
+              <a:solidFill>
+                <a:schemeClr val="tx1"/>
+              </a:solidFill>
+            </a:endParaRPr>
+          </a:p>
+        </p:txBody>
+      </p:sp>
+      <p:sp>
+        <p:nvSpPr>
+          <p:cNvPr id="2" name="テキスト ボックス 1">
+            <a:extLst>
+              <a:ext uri="{FF2B5EF4-FFF2-40B4-BE49-F238E27FC236}">
+                <a16:creationId xmlns:a16="http://schemas.microsoft.com/office/drawing/2014/main" id="{712AA982-314E-43AF-8F6B-0F633E82C872}"/>
+              </a:ext>
+            </a:extLst>
+          </p:cNvPr>
+          <p:cNvSpPr txBox="1"/>
+          <p:nvPr/>
+        </p:nvSpPr>
+        <p:spPr>
+          <a:xfrm>
+            <a:off x="6688285" y="371051"/>
+            <a:ext cx="3304309" cy="923330"/>
+          </a:xfrm>
+          <a:prstGeom prst="rect">
+            <a:avLst/>
+          </a:prstGeom>
+          <a:noFill/>
+        </p:spPr>
+        <p:txBody>
+          <a:bodyPr wrap="square" rtlCol="0">
+            <a:spAutoFit/>
+          </a:bodyPr>
+          <a:lstStyle/>
+          <a:p>
+            <a:r>
+              <a:rPr kumimoji="1" lang="ja-JP" altLang="en-US" dirty="0"/>
+              <a:t>実際のデータを読み込ませて</a:t>
+            </a:r>
+            <a:endParaRPr kumimoji="1" lang="en-US" altLang="ja-JP" dirty="0"/>
+          </a:p>
+          <a:p>
+            <a:r>
+              <a:rPr kumimoji="1" lang="en-US" altLang="ja-JP" dirty="0"/>
+              <a:t>K-means</a:t>
+            </a:r>
+            <a:r>
+              <a:rPr kumimoji="1" lang="ja-JP" altLang="en-US" dirty="0"/>
+              <a:t>を用いて充放電量を予測する。</a:t>
+            </a:r>
           </a:p>
         </p:txBody>
       </p:sp>
     </p:spTree>
     <p:extLst>
       <p:ext uri="{BB962C8B-B14F-4D97-AF65-F5344CB8AC3E}">
-        <p14:creationId xmlns:p14="http://schemas.microsoft.com/office/powerpoint/2010/main" val="4068741313"/>
+        <p14:creationId xmlns:p14="http://schemas.microsoft.com/office/powerpoint/2010/main" val="62834691"/>
       </p:ext>
     </p:extLst>
   </p:cSld>
@@ -11261,7 +10861,7 @@
           <p:cNvPr id="4" name="フローチャート: 結合子 3">
             <a:extLst>
               <a:ext uri="{FF2B5EF4-FFF2-40B4-BE49-F238E27FC236}">
-                <a16:creationId xmlns:a16="http://schemas.microsoft.com/office/drawing/2014/main" id="{700F3E9B-B8BE-4F70-9D04-73E22D1B17FE}"/>
+                <a16:creationId xmlns:a16="http://schemas.microsoft.com/office/drawing/2014/main" id="{07F6BC4D-B36E-4308-B6B4-196E76AD0202}"/>
               </a:ext>
             </a:extLst>
           </p:cNvPr>
@@ -11306,7 +10906,7 @@
             <a:pPr algn="ctr"/>
             <a:r>
               <a:rPr kumimoji="1" lang="en-US" altLang="ja-JP" sz="2800" dirty="0"/>
-              <a:t>4</a:t>
+              <a:t>5</a:t>
             </a:r>
             <a:endParaRPr kumimoji="1" lang="ja-JP" altLang="en-US" sz="2800" dirty="0"/>
           </a:p>
@@ -11317,7 +10917,7 @@
           <p:cNvPr id="5" name="タイトル 1">
             <a:extLst>
               <a:ext uri="{FF2B5EF4-FFF2-40B4-BE49-F238E27FC236}">
-                <a16:creationId xmlns:a16="http://schemas.microsoft.com/office/drawing/2014/main" id="{D1C843A2-2C20-41CE-A166-DF3E2B355342}"/>
+                <a16:creationId xmlns:a16="http://schemas.microsoft.com/office/drawing/2014/main" id="{0B6A1D3D-012F-493F-A562-E1F254068C42}"/>
               </a:ext>
             </a:extLst>
           </p:cNvPr>
@@ -11344,7 +10944,7 @@
         </p:spPr>
         <p:txBody>
           <a:bodyPr vert="horz" lIns="91440" tIns="45720" rIns="91440" bIns="45720" rtlCol="0" anchor="ctr">
-            <a:normAutofit fontScale="82500" lnSpcReduction="20000"/>
+            <a:normAutofit fontScale="75000" lnSpcReduction="20000"/>
           </a:bodyPr>
           <a:lstStyle>
             <a:lvl1pPr algn="ctr" defTabSz="457200" rtl="0" eaLnBrk="1" latinLnBrk="0" hangingPunct="1">
@@ -11429,7 +11029,11 @@
             </a:r>
             <a:r>
               <a:rPr lang="en-US" altLang="ja-JP" sz="2400" dirty="0"/>
-              <a:t>  Forecast using k-means</a:t>
+              <a:t>  Forecast using </a:t>
+            </a:r>
+            <a:r>
+              <a:rPr lang="en-US" altLang="ja-JP" sz="2400" dirty="0" err="1"/>
+              <a:t>NeuralNet</a:t>
             </a:r>
             <a:endParaRPr lang="ja-JP" altLang="en-US" sz="2400" dirty="0"/>
           </a:p>
@@ -11440,7 +11044,7 @@
           <p:cNvPr id="6" name="正方形/長方形 5">
             <a:extLst>
               <a:ext uri="{FF2B5EF4-FFF2-40B4-BE49-F238E27FC236}">
-                <a16:creationId xmlns:a16="http://schemas.microsoft.com/office/drawing/2014/main" id="{CD01FBA2-488A-4C06-BC16-385A96CC8C99}"/>
+                <a16:creationId xmlns:a16="http://schemas.microsoft.com/office/drawing/2014/main" id="{7176D6F4-F9B3-4832-9E88-076B63754735}"/>
               </a:ext>
             </a:extLst>
           </p:cNvPr>
@@ -11449,7 +11053,7 @@
         </p:nvSpPr>
         <p:spPr>
           <a:xfrm>
-            <a:off x="1626815" y="934163"/>
+            <a:off x="1931615" y="2568943"/>
             <a:ext cx="1876406" cy="360218"/>
           </a:xfrm>
           <a:prstGeom prst="rect">
@@ -11489,7 +11093,7 @@
                   <a:schemeClr val="tx1"/>
                 </a:solidFill>
               </a:rPr>
-              <a:t>Read input Data</a:t>
+              <a:t>Mean result</a:t>
             </a:r>
             <a:endParaRPr kumimoji="1" lang="ja-JP" altLang="en-US" sz="1400" dirty="0">
               <a:solidFill>
@@ -11501,10 +11105,10 @@
       </p:sp>
       <p:sp>
         <p:nvSpPr>
-          <p:cNvPr id="12" name="正方形/長方形 11">
+          <p:cNvPr id="7" name="正方形/長方形 6">
             <a:extLst>
               <a:ext uri="{FF2B5EF4-FFF2-40B4-BE49-F238E27FC236}">
-                <a16:creationId xmlns:a16="http://schemas.microsoft.com/office/drawing/2014/main" id="{9A7BBEEA-DAEB-4A9E-AE9E-D532B1559D7C}"/>
+                <a16:creationId xmlns:a16="http://schemas.microsoft.com/office/drawing/2014/main" id="{F77BAC2B-DF12-4208-A0AB-77E1323FB738}"/>
               </a:ext>
             </a:extLst>
           </p:cNvPr>
@@ -11513,7 +11117,7 @@
         </p:nvSpPr>
         <p:spPr>
           <a:xfrm>
-            <a:off x="1626814" y="1575445"/>
+            <a:off x="4211008" y="1903953"/>
             <a:ext cx="1876406" cy="360218"/>
           </a:xfrm>
           <a:prstGeom prst="rect">
@@ -11553,7 +11157,7 @@
                   <a:schemeClr val="tx1"/>
                 </a:solidFill>
               </a:rPr>
-              <a:t>Change Table to Array</a:t>
+              <a:t>Forecast 3 times</a:t>
             </a:r>
             <a:endParaRPr kumimoji="1" lang="ja-JP" altLang="en-US" sz="1400" dirty="0">
               <a:solidFill>
@@ -11565,10 +11169,10 @@
       </p:sp>
       <p:sp>
         <p:nvSpPr>
-          <p:cNvPr id="13" name="正方形/長方形 12">
+          <p:cNvPr id="8" name="正方形/長方形 7">
             <a:extLst>
               <a:ext uri="{FF2B5EF4-FFF2-40B4-BE49-F238E27FC236}">
-                <a16:creationId xmlns:a16="http://schemas.microsoft.com/office/drawing/2014/main" id="{4B6B475B-A648-46F7-BB6F-46F10AA640E2}"/>
+                <a16:creationId xmlns:a16="http://schemas.microsoft.com/office/drawing/2014/main" id="{327816B7-B735-4B87-A9F7-FEFCE176612A}"/>
               </a:ext>
             </a:extLst>
           </p:cNvPr>
@@ -11577,7 +11181,7 @@
         </p:nvSpPr>
         <p:spPr>
           <a:xfrm>
-            <a:off x="1626814" y="2216727"/>
+            <a:off x="1931615" y="1238963"/>
             <a:ext cx="1876406" cy="360218"/>
           </a:xfrm>
           <a:prstGeom prst="rect">
@@ -11612,14 +11216,14 @@
           <a:p>
             <a:pPr algn="ctr"/>
             <a:r>
-              <a:rPr kumimoji="1" lang="en-US" altLang="ja-JP" sz="1200" dirty="0">
+              <a:rPr kumimoji="1" lang="en-US" altLang="ja-JP" sz="1400" dirty="0">
                 <a:solidFill>
                   <a:schemeClr val="tx1"/>
                 </a:solidFill>
               </a:rPr>
-              <a:t>Distribute class label using attribute “predict”</a:t>
-            </a:r>
-            <a:endParaRPr kumimoji="1" lang="ja-JP" altLang="en-US" sz="1200" dirty="0">
+              <a:t>Read input Data</a:t>
+            </a:r>
+            <a:endParaRPr kumimoji="1" lang="ja-JP" altLang="en-US" sz="1400" dirty="0">
               <a:solidFill>
                 <a:schemeClr val="tx1"/>
               </a:solidFill>
@@ -11629,10 +11233,10 @@
       </p:sp>
       <p:sp>
         <p:nvSpPr>
-          <p:cNvPr id="14" name="正方形/長方形 13">
+          <p:cNvPr id="9" name="正方形/長方形 8">
             <a:extLst>
               <a:ext uri="{FF2B5EF4-FFF2-40B4-BE49-F238E27FC236}">
-                <a16:creationId xmlns:a16="http://schemas.microsoft.com/office/drawing/2014/main" id="{98F30CDD-99F0-42BC-B3C8-D791EC897EB7}"/>
+                <a16:creationId xmlns:a16="http://schemas.microsoft.com/office/drawing/2014/main" id="{623766B4-5EB2-43B2-B4B7-00A94FA1EEFE}"/>
               </a:ext>
             </a:extLst>
           </p:cNvPr>
@@ -11641,7 +11245,7 @@
         </p:nvSpPr>
         <p:spPr>
           <a:xfrm>
-            <a:off x="1626814" y="2858009"/>
+            <a:off x="1931615" y="1903953"/>
             <a:ext cx="1876406" cy="360218"/>
           </a:xfrm>
           <a:prstGeom prst="rect">
@@ -11676,12 +11280,84 @@
           <a:p>
             <a:pPr algn="ctr"/>
             <a:r>
+              <a:rPr kumimoji="1" lang="en-US" altLang="ja-JP" sz="1200" dirty="0">
+                <a:solidFill>
+                  <a:schemeClr val="tx1"/>
+                </a:solidFill>
+              </a:rPr>
+              <a:t>Forecast using </a:t>
+            </a:r>
+            <a:r>
+              <a:rPr kumimoji="1" lang="en-US" altLang="ja-JP" sz="1200" dirty="0" err="1">
+                <a:solidFill>
+                  <a:schemeClr val="tx1"/>
+                </a:solidFill>
+              </a:rPr>
+              <a:t>NeuralNet</a:t>
+            </a:r>
+            <a:endParaRPr kumimoji="1" lang="ja-JP" altLang="en-US" sz="1200" dirty="0">
+              <a:solidFill>
+                <a:schemeClr val="tx1"/>
+              </a:solidFill>
+            </a:endParaRPr>
+          </a:p>
+        </p:txBody>
+      </p:sp>
+      <p:sp>
+        <p:nvSpPr>
+          <p:cNvPr id="10" name="正方形/長方形 9">
+            <a:extLst>
+              <a:ext uri="{FF2B5EF4-FFF2-40B4-BE49-F238E27FC236}">
+                <a16:creationId xmlns:a16="http://schemas.microsoft.com/office/drawing/2014/main" id="{C47E64CB-4FD2-4E65-9932-58F271E2275E}"/>
+              </a:ext>
+            </a:extLst>
+          </p:cNvPr>
+          <p:cNvSpPr/>
+          <p:nvPr/>
+        </p:nvSpPr>
+        <p:spPr>
+          <a:xfrm>
+            <a:off x="1931615" y="3233933"/>
+            <a:ext cx="1876406" cy="360218"/>
+          </a:xfrm>
+          <a:prstGeom prst="rect">
+            <a:avLst/>
+          </a:prstGeom>
+          <a:solidFill>
+            <a:schemeClr val="tx2">
+              <a:lumMod val="10000"/>
+              <a:lumOff val="90000"/>
+            </a:schemeClr>
+          </a:solidFill>
+        </p:spPr>
+        <p:style>
+          <a:lnRef idx="2">
+            <a:schemeClr val="accent1">
+              <a:shade val="50000"/>
+            </a:schemeClr>
+          </a:lnRef>
+          <a:fillRef idx="1">
+            <a:schemeClr val="accent1"/>
+          </a:fillRef>
+          <a:effectRef idx="0">
+            <a:schemeClr val="accent1"/>
+          </a:effectRef>
+          <a:fontRef idx="minor">
+            <a:schemeClr val="lt1"/>
+          </a:fontRef>
+        </p:style>
+        <p:txBody>
+          <a:bodyPr rtlCol="0" anchor="ctr"/>
+          <a:lstStyle/>
+          <a:p>
+            <a:pPr algn="ctr"/>
+            <a:r>
               <a:rPr kumimoji="1" lang="en-US" altLang="ja-JP" sz="1400" dirty="0">
                 <a:solidFill>
                   <a:schemeClr val="tx1"/>
                 </a:solidFill>
               </a:rPr>
-              <a:t>Extract centroid as a predicted target</a:t>
+              <a:t>Forecast Generation using Neural Net</a:t>
             </a:r>
             <a:endParaRPr kumimoji="1" lang="ja-JP" altLang="en-US" sz="1400" dirty="0">
               <a:solidFill>
@@ -11691,10 +11367,244 @@
           </a:p>
         </p:txBody>
       </p:sp>
+      <p:sp>
+        <p:nvSpPr>
+          <p:cNvPr id="11" name="正方形/長方形 10">
+            <a:extLst>
+              <a:ext uri="{FF2B5EF4-FFF2-40B4-BE49-F238E27FC236}">
+                <a16:creationId xmlns:a16="http://schemas.microsoft.com/office/drawing/2014/main" id="{4128E5EB-C16E-4EAE-821D-9305114D91D7}"/>
+              </a:ext>
+            </a:extLst>
+          </p:cNvPr>
+          <p:cNvSpPr/>
+          <p:nvPr/>
+        </p:nvSpPr>
+        <p:spPr>
+          <a:xfrm>
+            <a:off x="1931615" y="4563913"/>
+            <a:ext cx="1876406" cy="360218"/>
+          </a:xfrm>
+          <a:prstGeom prst="rect">
+            <a:avLst/>
+          </a:prstGeom>
+          <a:solidFill>
+            <a:schemeClr val="tx2">
+              <a:lumMod val="10000"/>
+              <a:lumOff val="90000"/>
+            </a:schemeClr>
+          </a:solidFill>
+        </p:spPr>
+        <p:style>
+          <a:lnRef idx="2">
+            <a:schemeClr val="accent1">
+              <a:shade val="50000"/>
+            </a:schemeClr>
+          </a:lnRef>
+          <a:fillRef idx="1">
+            <a:schemeClr val="accent1"/>
+          </a:fillRef>
+          <a:effectRef idx="0">
+            <a:schemeClr val="accent1"/>
+          </a:effectRef>
+          <a:fontRef idx="minor">
+            <a:schemeClr val="lt1"/>
+          </a:fontRef>
+        </p:style>
+        <p:txBody>
+          <a:bodyPr rtlCol="0" anchor="ctr"/>
+          <a:lstStyle/>
+          <a:p>
+            <a:pPr algn="ctr"/>
+            <a:r>
+              <a:rPr kumimoji="1" lang="en-US" altLang="ja-JP" sz="1400" dirty="0">
+                <a:solidFill>
+                  <a:schemeClr val="tx1"/>
+                </a:solidFill>
+              </a:rPr>
+              <a:t>Error correction</a:t>
+            </a:r>
+            <a:endParaRPr kumimoji="1" lang="ja-JP" altLang="en-US" sz="1400" dirty="0">
+              <a:solidFill>
+                <a:schemeClr val="tx1"/>
+              </a:solidFill>
+            </a:endParaRPr>
+          </a:p>
+        </p:txBody>
+      </p:sp>
+      <p:sp>
+        <p:nvSpPr>
+          <p:cNvPr id="12" name="正方形/長方形 11">
+            <a:extLst>
+              <a:ext uri="{FF2B5EF4-FFF2-40B4-BE49-F238E27FC236}">
+                <a16:creationId xmlns:a16="http://schemas.microsoft.com/office/drawing/2014/main" id="{ED4043F3-753F-41CC-BD76-C3F718F8E4B6}"/>
+              </a:ext>
+            </a:extLst>
+          </p:cNvPr>
+          <p:cNvSpPr/>
+          <p:nvPr/>
+        </p:nvSpPr>
+        <p:spPr>
+          <a:xfrm>
+            <a:off x="1931615" y="3898923"/>
+            <a:ext cx="1876406" cy="360218"/>
+          </a:xfrm>
+          <a:prstGeom prst="rect">
+            <a:avLst/>
+          </a:prstGeom>
+          <a:solidFill>
+            <a:schemeClr val="tx2">
+              <a:lumMod val="10000"/>
+              <a:lumOff val="90000"/>
+            </a:schemeClr>
+          </a:solidFill>
+        </p:spPr>
+        <p:style>
+          <a:lnRef idx="2">
+            <a:schemeClr val="accent1">
+              <a:shade val="50000"/>
+            </a:schemeClr>
+          </a:lnRef>
+          <a:fillRef idx="1">
+            <a:schemeClr val="accent1"/>
+          </a:fillRef>
+          <a:effectRef idx="0">
+            <a:schemeClr val="accent1"/>
+          </a:effectRef>
+          <a:fontRef idx="minor">
+            <a:schemeClr val="lt1"/>
+          </a:fontRef>
+        </p:style>
+        <p:txBody>
+          <a:bodyPr rtlCol="0" anchor="ctr"/>
+          <a:lstStyle/>
+          <a:p>
+            <a:pPr algn="ctr"/>
+            <a:r>
+              <a:rPr kumimoji="1" lang="en-US" altLang="ja-JP" sz="1400" dirty="0">
+                <a:solidFill>
+                  <a:schemeClr val="tx1"/>
+                </a:solidFill>
+              </a:rPr>
+              <a:t>Mean result</a:t>
+            </a:r>
+            <a:endParaRPr kumimoji="1" lang="ja-JP" altLang="en-US" sz="1400" dirty="0">
+              <a:solidFill>
+                <a:schemeClr val="tx1"/>
+              </a:solidFill>
+            </a:endParaRPr>
+          </a:p>
+        </p:txBody>
+      </p:sp>
+      <p:sp>
+        <p:nvSpPr>
+          <p:cNvPr id="13" name="正方形/長方形 12">
+            <a:extLst>
+              <a:ext uri="{FF2B5EF4-FFF2-40B4-BE49-F238E27FC236}">
+                <a16:creationId xmlns:a16="http://schemas.microsoft.com/office/drawing/2014/main" id="{11F75884-9EA9-4E80-8B17-CFE2B48ECE82}"/>
+              </a:ext>
+            </a:extLst>
+          </p:cNvPr>
+          <p:cNvSpPr/>
+          <p:nvPr/>
+        </p:nvSpPr>
+        <p:spPr>
+          <a:xfrm>
+            <a:off x="1931615" y="5228903"/>
+            <a:ext cx="1876406" cy="360218"/>
+          </a:xfrm>
+          <a:prstGeom prst="rect">
+            <a:avLst/>
+          </a:prstGeom>
+          <a:solidFill>
+            <a:schemeClr val="tx2">
+              <a:lumMod val="10000"/>
+              <a:lumOff val="90000"/>
+            </a:schemeClr>
+          </a:solidFill>
+        </p:spPr>
+        <p:style>
+          <a:lnRef idx="2">
+            <a:schemeClr val="accent1">
+              <a:shade val="50000"/>
+            </a:schemeClr>
+          </a:lnRef>
+          <a:fillRef idx="1">
+            <a:schemeClr val="accent1"/>
+          </a:fillRef>
+          <a:effectRef idx="0">
+            <a:schemeClr val="accent1"/>
+          </a:effectRef>
+          <a:fontRef idx="minor">
+            <a:schemeClr val="lt1"/>
+          </a:fontRef>
+        </p:style>
+        <p:txBody>
+          <a:bodyPr rtlCol="0" anchor="ctr"/>
+          <a:lstStyle/>
+          <a:p>
+            <a:pPr algn="ctr"/>
+            <a:r>
+              <a:rPr kumimoji="1" lang="en-US" altLang="ja-JP" sz="1400" dirty="0">
+                <a:solidFill>
+                  <a:schemeClr val="tx1"/>
+                </a:solidFill>
+              </a:rPr>
+              <a:t>Export result</a:t>
+            </a:r>
+            <a:endParaRPr kumimoji="1" lang="ja-JP" altLang="en-US" sz="1400" dirty="0">
+              <a:solidFill>
+                <a:schemeClr val="tx1"/>
+              </a:solidFill>
+            </a:endParaRPr>
+          </a:p>
+        </p:txBody>
+      </p:sp>
+      <p:sp>
+        <p:nvSpPr>
+          <p:cNvPr id="2" name="テキスト ボックス 1">
+            <a:extLst>
+              <a:ext uri="{FF2B5EF4-FFF2-40B4-BE49-F238E27FC236}">
+                <a16:creationId xmlns:a16="http://schemas.microsoft.com/office/drawing/2014/main" id="{BEF68D9B-9073-4210-8678-78DA6BA4C5E3}"/>
+              </a:ext>
+            </a:extLst>
+          </p:cNvPr>
+          <p:cNvSpPr txBox="1"/>
+          <p:nvPr/>
+        </p:nvSpPr>
+        <p:spPr>
+          <a:xfrm>
+            <a:off x="6691745" y="522719"/>
+            <a:ext cx="3356264" cy="923330"/>
+          </a:xfrm>
+          <a:prstGeom prst="rect">
+            <a:avLst/>
+          </a:prstGeom>
+          <a:noFill/>
+        </p:spPr>
+        <p:txBody>
+          <a:bodyPr wrap="square" rtlCol="0">
+            <a:spAutoFit/>
+          </a:bodyPr>
+          <a:lstStyle/>
+          <a:p>
+            <a:r>
+              <a:rPr kumimoji="1" lang="ja-JP" altLang="en-US" dirty="0"/>
+              <a:t>実際のデータを読み込ませて</a:t>
+            </a:r>
+            <a:endParaRPr kumimoji="1" lang="en-US" altLang="ja-JP" dirty="0"/>
+          </a:p>
+          <a:p>
+            <a:r>
+              <a:rPr kumimoji="1" lang="ja-JP" altLang="en-US" dirty="0"/>
+              <a:t>ニューラルネットワークを用いて充放電量を予測する。</a:t>
+            </a:r>
+          </a:p>
+        </p:txBody>
+      </p:sp>
     </p:spTree>
     <p:extLst>
       <p:ext uri="{BB962C8B-B14F-4D97-AF65-F5344CB8AC3E}">
-        <p14:creationId xmlns:p14="http://schemas.microsoft.com/office/powerpoint/2010/main" val="62834691"/>
+        <p14:creationId xmlns:p14="http://schemas.microsoft.com/office/powerpoint/2010/main" val="2688158855"/>
       </p:ext>
     </p:extLst>
   </p:cSld>
@@ -11723,10 +11633,10 @@
       </p:grpSpPr>
       <p:sp>
         <p:nvSpPr>
-          <p:cNvPr id="4" name="フローチャート: 結合子 3">
+          <p:cNvPr id="5" name="正方形/長方形 4">
             <a:extLst>
               <a:ext uri="{FF2B5EF4-FFF2-40B4-BE49-F238E27FC236}">
-                <a16:creationId xmlns:a16="http://schemas.microsoft.com/office/drawing/2014/main" id="{07F6BC4D-B36E-4308-B6B4-196E76AD0202}"/>
+                <a16:creationId xmlns:a16="http://schemas.microsoft.com/office/drawing/2014/main" id="{E0B85D0E-E795-45F3-B951-A7E51857695F}"/>
               </a:ext>
             </a:extLst>
           </p:cNvPr>
@@ -11735,16 +11645,16 @@
         </p:nvSpPr>
         <p:spPr>
           <a:xfrm>
-            <a:off x="10703628" y="213756"/>
-            <a:ext cx="708559" cy="673883"/>
-          </a:xfrm>
-          <a:prstGeom prst="flowChartConnector">
+            <a:off x="1712674" y="887639"/>
+            <a:ext cx="1876406" cy="360218"/>
+          </a:xfrm>
+          <a:prstGeom prst="rect">
             <a:avLst/>
           </a:prstGeom>
           <a:solidFill>
-            <a:schemeClr val="accent1">
-              <a:lumMod val="60000"/>
-              <a:lumOff val="40000"/>
+            <a:schemeClr val="tx2">
+              <a:lumMod val="10000"/>
+              <a:lumOff val="90000"/>
             </a:schemeClr>
           </a:solidFill>
         </p:spPr>
@@ -11770,19 +11680,27 @@
           <a:p>
             <a:pPr algn="ctr"/>
             <a:r>
-              <a:rPr kumimoji="1" lang="en-US" altLang="ja-JP" sz="2800" dirty="0"/>
-              <a:t>5</a:t>
-            </a:r>
-            <a:endParaRPr kumimoji="1" lang="ja-JP" altLang="en-US" sz="2800" dirty="0"/>
-          </a:p>
-        </p:txBody>
-      </p:sp>
-      <p:sp>
-        <p:nvSpPr>
-          <p:cNvPr id="5" name="タイトル 1">
+              <a:rPr kumimoji="1" lang="en-US" altLang="ja-JP" sz="2000" dirty="0">
+                <a:solidFill>
+                  <a:schemeClr val="tx1"/>
+                </a:solidFill>
+              </a:rPr>
+              <a:t>Load mat file</a:t>
+            </a:r>
+            <a:endParaRPr kumimoji="1" lang="ja-JP" altLang="en-US" sz="2000" dirty="0">
+              <a:solidFill>
+                <a:schemeClr val="tx1"/>
+              </a:solidFill>
+            </a:endParaRPr>
+          </a:p>
+        </p:txBody>
+      </p:sp>
+      <p:sp>
+        <p:nvSpPr>
+          <p:cNvPr id="6" name="タイトル 1">
             <a:extLst>
               <a:ext uri="{FF2B5EF4-FFF2-40B4-BE49-F238E27FC236}">
-                <a16:creationId xmlns:a16="http://schemas.microsoft.com/office/drawing/2014/main" id="{0B6A1D3D-012F-493F-A562-E1F254068C42}"/>
+                <a16:creationId xmlns:a16="http://schemas.microsoft.com/office/drawing/2014/main" id="{38A81E8F-E164-4B6B-A51C-0661DA61DD35}"/>
               </a:ext>
             </a:extLst>
           </p:cNvPr>
@@ -11809,7 +11727,7 @@
         </p:spPr>
         <p:txBody>
           <a:bodyPr vert="horz" lIns="91440" tIns="45720" rIns="91440" bIns="45720" rtlCol="0" anchor="ctr">
-            <a:normAutofit fontScale="75000" lnSpcReduction="20000"/>
+            <a:normAutofit fontScale="82500" lnSpcReduction="20000"/>
           </a:bodyPr>
           <a:lstStyle>
             <a:lvl1pPr algn="ctr" defTabSz="457200" rtl="0" eaLnBrk="1" latinLnBrk="0" hangingPunct="1">
@@ -11890,15 +11808,15 @@
           <a:p>
             <a:r>
               <a:rPr lang="en-US" altLang="ja-JP" sz="2400" dirty="0" err="1"/>
-              <a:t>SetEVModel</a:t>
+              <a:t>GetEVModel</a:t>
             </a:r>
             <a:r>
               <a:rPr lang="en-US" altLang="ja-JP" sz="2400" dirty="0"/>
-              <a:t>  Forecast using </a:t>
+              <a:t> _</a:t>
             </a:r>
             <a:r>
               <a:rPr lang="en-US" altLang="ja-JP" sz="2400" dirty="0" err="1"/>
-              <a:t>NeuralNet</a:t>
+              <a:t>MultipleDay</a:t>
             </a:r>
             <a:endParaRPr lang="ja-JP" altLang="en-US" sz="2400" dirty="0"/>
           </a:p>
@@ -11906,10 +11824,10 @@
       </p:sp>
       <p:sp>
         <p:nvSpPr>
-          <p:cNvPr id="6" name="正方形/長方形 5">
+          <p:cNvPr id="7" name="正方形/長方形 6">
             <a:extLst>
               <a:ext uri="{FF2B5EF4-FFF2-40B4-BE49-F238E27FC236}">
-                <a16:creationId xmlns:a16="http://schemas.microsoft.com/office/drawing/2014/main" id="{7176D6F4-F9B3-4832-9E88-076B63754735}"/>
+                <a16:creationId xmlns:a16="http://schemas.microsoft.com/office/drawing/2014/main" id="{01C81F8F-A0E8-4006-9517-B77F97E570AA}"/>
               </a:ext>
             </a:extLst>
           </p:cNvPr>
@@ -11918,7 +11836,7 @@
         </p:nvSpPr>
         <p:spPr>
           <a:xfrm>
-            <a:off x="1931615" y="2568943"/>
+            <a:off x="1712674" y="1387086"/>
             <a:ext cx="1876406" cy="360218"/>
           </a:xfrm>
           <a:prstGeom prst="rect">
@@ -11958,7 +11876,7 @@
                   <a:schemeClr val="tx1"/>
                 </a:solidFill>
               </a:rPr>
-              <a:t>Mean result</a:t>
+              <a:t>Get Forecast  using each Model </a:t>
             </a:r>
             <a:endParaRPr kumimoji="1" lang="ja-JP" altLang="en-US" sz="1400" dirty="0">
               <a:solidFill>
@@ -11970,10 +11888,10 @@
       </p:sp>
       <p:sp>
         <p:nvSpPr>
-          <p:cNvPr id="7" name="正方形/長方形 6">
+          <p:cNvPr id="9" name="正方形/長方形 8">
             <a:extLst>
               <a:ext uri="{FF2B5EF4-FFF2-40B4-BE49-F238E27FC236}">
-                <a16:creationId xmlns:a16="http://schemas.microsoft.com/office/drawing/2014/main" id="{F77BAC2B-DF12-4208-A0AB-77E1323FB738}"/>
+                <a16:creationId xmlns:a16="http://schemas.microsoft.com/office/drawing/2014/main" id="{9F951A21-E4DF-4DE6-BB9B-8C0647A3474F}"/>
               </a:ext>
             </a:extLst>
           </p:cNvPr>
@@ -11982,7 +11900,7 @@
         </p:nvSpPr>
         <p:spPr>
           <a:xfrm>
-            <a:off x="4211008" y="1903953"/>
+            <a:off x="4352843" y="939649"/>
             <a:ext cx="1876406" cy="360218"/>
           </a:xfrm>
           <a:prstGeom prst="rect">
@@ -12022,7 +11940,15 @@
                   <a:schemeClr val="tx1"/>
                 </a:solidFill>
               </a:rPr>
-              <a:t>Forecast 3 times</a:t>
+              <a:t>Train </a:t>
+            </a:r>
+            <a:r>
+              <a:rPr kumimoji="1" lang="en-US" altLang="ja-JP" sz="1400" dirty="0" err="1">
+                <a:solidFill>
+                  <a:schemeClr val="tx1"/>
+                </a:solidFill>
+              </a:rPr>
+              <a:t>NeuralNet</a:t>
             </a:r>
             <a:endParaRPr kumimoji="1" lang="ja-JP" altLang="en-US" sz="1400" dirty="0">
               <a:solidFill>
@@ -12034,10 +11960,10 @@
       </p:sp>
       <p:sp>
         <p:nvSpPr>
-          <p:cNvPr id="8" name="正方形/長方形 7">
+          <p:cNvPr id="10" name="正方形/長方形 9">
             <a:extLst>
               <a:ext uri="{FF2B5EF4-FFF2-40B4-BE49-F238E27FC236}">
-                <a16:creationId xmlns:a16="http://schemas.microsoft.com/office/drawing/2014/main" id="{327816B7-B735-4B87-A9F7-FEFCE176612A}"/>
+                <a16:creationId xmlns:a16="http://schemas.microsoft.com/office/drawing/2014/main" id="{8127E01C-6731-44E6-86C7-D5D615ED41EE}"/>
               </a:ext>
             </a:extLst>
           </p:cNvPr>
@@ -12046,7 +11972,7 @@
         </p:nvSpPr>
         <p:spPr>
           <a:xfrm>
-            <a:off x="1931615" y="1238963"/>
+            <a:off x="4352843" y="1387086"/>
             <a:ext cx="1876406" cy="360218"/>
           </a:xfrm>
           <a:prstGeom prst="rect">
@@ -12086,7 +12012,7 @@
                   <a:schemeClr val="tx1"/>
                 </a:solidFill>
               </a:rPr>
-              <a:t>Read input Data</a:t>
+              <a:t>Train K-means</a:t>
             </a:r>
             <a:endParaRPr kumimoji="1" lang="ja-JP" altLang="en-US" sz="1400" dirty="0">
               <a:solidFill>
@@ -12098,10 +12024,10 @@
       </p:sp>
       <p:sp>
         <p:nvSpPr>
-          <p:cNvPr id="9" name="正方形/長方形 8">
+          <p:cNvPr id="11" name="正方形/長方形 10">
             <a:extLst>
               <a:ext uri="{FF2B5EF4-FFF2-40B4-BE49-F238E27FC236}">
-                <a16:creationId xmlns:a16="http://schemas.microsoft.com/office/drawing/2014/main" id="{623766B4-5EB2-43B2-B4B7-00A94FA1EEFE}"/>
+                <a16:creationId xmlns:a16="http://schemas.microsoft.com/office/drawing/2014/main" id="{F906DC5A-BC60-49CF-BC29-8586B18470EE}"/>
               </a:ext>
             </a:extLst>
           </p:cNvPr>
@@ -12110,7 +12036,7 @@
         </p:nvSpPr>
         <p:spPr>
           <a:xfrm>
-            <a:off x="1931615" y="1903953"/>
+            <a:off x="1712674" y="1886533"/>
             <a:ext cx="1876406" cy="360218"/>
           </a:xfrm>
           <a:prstGeom prst="rect">
@@ -12145,22 +12071,14 @@
           <a:p>
             <a:pPr algn="ctr"/>
             <a:r>
-              <a:rPr kumimoji="1" lang="en-US" altLang="ja-JP" sz="1200" dirty="0">
+              <a:rPr kumimoji="1" lang="en-US" altLang="ja-JP" sz="1400" dirty="0">
                 <a:solidFill>
                   <a:schemeClr val="tx1"/>
                 </a:solidFill>
               </a:rPr>
-              <a:t>Forecast using </a:t>
-            </a:r>
-            <a:r>
-              <a:rPr kumimoji="1" lang="en-US" altLang="ja-JP" sz="1200" dirty="0" err="1">
-                <a:solidFill>
-                  <a:schemeClr val="tx1"/>
-                </a:solidFill>
-              </a:rPr>
-              <a:t>NeuralNet</a:t>
-            </a:r>
-            <a:endParaRPr kumimoji="1" lang="ja-JP" altLang="en-US" sz="1200" dirty="0">
+              <a:t>Get combine result with Weight </a:t>
+            </a:r>
+            <a:endParaRPr kumimoji="1" lang="ja-JP" altLang="en-US" sz="1400" dirty="0">
               <a:solidFill>
                 <a:schemeClr val="tx1"/>
               </a:solidFill>
@@ -12170,10 +12088,10 @@
       </p:sp>
       <p:sp>
         <p:nvSpPr>
-          <p:cNvPr id="10" name="正方形/長方形 9">
+          <p:cNvPr id="12" name="正方形/長方形 11">
             <a:extLst>
               <a:ext uri="{FF2B5EF4-FFF2-40B4-BE49-F238E27FC236}">
-                <a16:creationId xmlns:a16="http://schemas.microsoft.com/office/drawing/2014/main" id="{C47E64CB-4FD2-4E65-9932-58F271E2275E}"/>
+                <a16:creationId xmlns:a16="http://schemas.microsoft.com/office/drawing/2014/main" id="{6E6532E1-0167-4448-A781-59ECC044321E}"/>
               </a:ext>
             </a:extLst>
           </p:cNvPr>
@@ -12182,7 +12100,7 @@
         </p:nvSpPr>
         <p:spPr>
           <a:xfrm>
-            <a:off x="1931615" y="3233933"/>
+            <a:off x="1712674" y="2385980"/>
             <a:ext cx="1876406" cy="360218"/>
           </a:xfrm>
           <a:prstGeom prst="rect">
@@ -12222,7 +12140,7 @@
                   <a:schemeClr val="tx1"/>
                 </a:solidFill>
               </a:rPr>
-              <a:t>Forecast Generation using Neural Net</a:t>
+              <a:t>Get Prediction Interval</a:t>
             </a:r>
             <a:endParaRPr kumimoji="1" lang="ja-JP" altLang="en-US" sz="1400" dirty="0">
               <a:solidFill>
@@ -12234,10 +12152,10 @@
       </p:sp>
       <p:sp>
         <p:nvSpPr>
-          <p:cNvPr id="11" name="正方形/長方形 10">
+          <p:cNvPr id="13" name="正方形/長方形 12">
             <a:extLst>
               <a:ext uri="{FF2B5EF4-FFF2-40B4-BE49-F238E27FC236}">
-                <a16:creationId xmlns:a16="http://schemas.microsoft.com/office/drawing/2014/main" id="{4128E5EB-C16E-4EAE-821D-9305114D91D7}"/>
+                <a16:creationId xmlns:a16="http://schemas.microsoft.com/office/drawing/2014/main" id="{E67936A0-7B7B-4200-948F-DF22398B965C}"/>
               </a:ext>
             </a:extLst>
           </p:cNvPr>
@@ -12246,7 +12164,7 @@
         </p:nvSpPr>
         <p:spPr>
           <a:xfrm>
-            <a:off x="1931615" y="4563913"/>
+            <a:off x="1712674" y="2885427"/>
             <a:ext cx="1876406" cy="360218"/>
           </a:xfrm>
           <a:prstGeom prst="rect">
@@ -12281,14 +12199,14 @@
           <a:p>
             <a:pPr algn="ctr"/>
             <a:r>
-              <a:rPr kumimoji="1" lang="en-US" altLang="ja-JP" sz="1400" dirty="0">
+              <a:rPr kumimoji="1" lang="en-US" altLang="ja-JP" sz="1200" dirty="0">
                 <a:solidFill>
                   <a:schemeClr val="tx1"/>
                 </a:solidFill>
               </a:rPr>
-              <a:t>Error correction</a:t>
-            </a:r>
-            <a:endParaRPr kumimoji="1" lang="ja-JP" altLang="en-US" sz="1400" dirty="0">
+              <a:t>Write down the forecasted result in csv file</a:t>
+            </a:r>
+            <a:endParaRPr kumimoji="1" lang="ja-JP" altLang="en-US" sz="1200" dirty="0">
               <a:solidFill>
                 <a:schemeClr val="tx1"/>
               </a:solidFill>
@@ -12298,10 +12216,10 @@
       </p:sp>
       <p:sp>
         <p:nvSpPr>
-          <p:cNvPr id="12" name="正方形/長方形 11">
+          <p:cNvPr id="14" name="正方形/長方形 13">
             <a:extLst>
               <a:ext uri="{FF2B5EF4-FFF2-40B4-BE49-F238E27FC236}">
-                <a16:creationId xmlns:a16="http://schemas.microsoft.com/office/drawing/2014/main" id="{ED4043F3-753F-41CC-BD76-C3F718F8E4B6}"/>
+                <a16:creationId xmlns:a16="http://schemas.microsoft.com/office/drawing/2014/main" id="{CC63F061-1F3F-4390-8505-92BFC9B72B28}"/>
               </a:ext>
             </a:extLst>
           </p:cNvPr>
@@ -12310,7 +12228,7 @@
         </p:nvSpPr>
         <p:spPr>
           <a:xfrm>
-            <a:off x="1931615" y="3898923"/>
+            <a:off x="1712674" y="3384874"/>
             <a:ext cx="1876406" cy="360218"/>
           </a:xfrm>
           <a:prstGeom prst="rect">
@@ -12350,7 +12268,7 @@
                   <a:schemeClr val="tx1"/>
                 </a:solidFill>
               </a:rPr>
-              <a:t>Mean result</a:t>
+              <a:t>Get forecast performance summary</a:t>
             </a:r>
             <a:endParaRPr kumimoji="1" lang="ja-JP" altLang="en-US" sz="1400" dirty="0">
               <a:solidFill>
@@ -12362,72 +12280,165 @@
       </p:sp>
       <p:sp>
         <p:nvSpPr>
-          <p:cNvPr id="13" name="正方形/長方形 12">
+          <p:cNvPr id="2" name="TextBox 1">
             <a:extLst>
               <a:ext uri="{FF2B5EF4-FFF2-40B4-BE49-F238E27FC236}">
-                <a16:creationId xmlns:a16="http://schemas.microsoft.com/office/drawing/2014/main" id="{11F75884-9EA9-4E80-8B17-CFE2B48ECE82}"/>
+                <a16:creationId xmlns:a16="http://schemas.microsoft.com/office/drawing/2014/main" id="{421B22C0-5CB3-4D79-9BF0-2DB5B5710C5F}"/>
               </a:ext>
             </a:extLst>
           </p:cNvPr>
-          <p:cNvSpPr/>
+          <p:cNvSpPr txBox="1"/>
           <p:nvPr/>
         </p:nvSpPr>
         <p:spPr>
           <a:xfrm>
-            <a:off x="1931615" y="5228903"/>
-            <a:ext cx="1876406" cy="360218"/>
+            <a:off x="4411566" y="3909566"/>
+            <a:ext cx="5972961" cy="369332"/>
           </a:xfrm>
           <a:prstGeom prst="rect">
             <a:avLst/>
           </a:prstGeom>
-          <a:solidFill>
-            <a:schemeClr val="tx2">
-              <a:lumMod val="10000"/>
-              <a:lumOff val="90000"/>
-            </a:schemeClr>
-          </a:solidFill>
+          <a:noFill/>
+        </p:spPr>
+        <p:txBody>
+          <a:bodyPr wrap="square" rtlCol="0">
+            <a:spAutoFit/>
+          </a:bodyPr>
+          <a:lstStyle/>
+          <a:p>
+            <a:r>
+              <a:rPr lang="ja-JP" altLang="en-US" dirty="0"/>
+              <a:t>・最終アウトプットでなにが得られる？</a:t>
+            </a:r>
+            <a:endParaRPr lang="en-US" dirty="0"/>
+          </a:p>
+        </p:txBody>
+      </p:sp>
+      <p:sp>
+        <p:nvSpPr>
+          <p:cNvPr id="4" name="テキスト ボックス 3">
+            <a:extLst>
+              <a:ext uri="{FF2B5EF4-FFF2-40B4-BE49-F238E27FC236}">
+                <a16:creationId xmlns:a16="http://schemas.microsoft.com/office/drawing/2014/main" id="{F9487A31-8BB1-4FCD-B08F-5C95D953E484}"/>
+              </a:ext>
+            </a:extLst>
+          </p:cNvPr>
+          <p:cNvSpPr txBox="1"/>
+          <p:nvPr/>
+        </p:nvSpPr>
+        <p:spPr>
+          <a:xfrm>
+            <a:off x="7549089" y="337355"/>
+            <a:ext cx="4015993" cy="646331"/>
+          </a:xfrm>
+          <a:prstGeom prst="rect">
+            <a:avLst/>
+          </a:prstGeom>
+          <a:noFill/>
+        </p:spPr>
+        <p:txBody>
+          <a:bodyPr wrap="square" rtlCol="0">
+            <a:spAutoFit/>
+          </a:bodyPr>
+          <a:lstStyle/>
+          <a:p>
+            <a:r>
+              <a:rPr kumimoji="1" lang="ja-JP" altLang="en-US" dirty="0"/>
+              <a:t>それぞれの予測モデルの結果を重み付けする。</a:t>
+            </a:r>
+          </a:p>
+        </p:txBody>
+      </p:sp>
+      <p:cxnSp>
+        <p:nvCxnSpPr>
+          <p:cNvPr id="15" name="Straight Arrow Connector 46">
+            <a:extLst>
+              <a:ext uri="{FF2B5EF4-FFF2-40B4-BE49-F238E27FC236}">
+                <a16:creationId xmlns:a16="http://schemas.microsoft.com/office/drawing/2014/main" id="{D7F20305-C00B-4155-BC35-D10ED96093E0}"/>
+              </a:ext>
+            </a:extLst>
+          </p:cNvPr>
+          <p:cNvCxnSpPr/>
+          <p:nvPr/>
+        </p:nvCxnSpPr>
+        <p:spPr>
+          <a:xfrm>
+            <a:off x="9537387" y="1247857"/>
+            <a:ext cx="0" cy="434219"/>
+          </a:xfrm>
+          <a:prstGeom prst="straightConnector1">
+            <a:avLst/>
+          </a:prstGeom>
+          <a:ln>
+            <a:tailEnd type="triangle"/>
+          </a:ln>
         </p:spPr>
         <p:style>
-          <a:lnRef idx="2">
-            <a:schemeClr val="accent1">
-              <a:shade val="50000"/>
-            </a:schemeClr>
+          <a:lnRef idx="1">
+            <a:schemeClr val="accent1"/>
           </a:lnRef>
-          <a:fillRef idx="1">
+          <a:fillRef idx="0">
             <a:schemeClr val="accent1"/>
           </a:fillRef>
           <a:effectRef idx="0">
             <a:schemeClr val="accent1"/>
           </a:effectRef>
           <a:fontRef idx="minor">
-            <a:schemeClr val="lt1"/>
+            <a:schemeClr val="tx1"/>
           </a:fontRef>
         </p:style>
-        <p:txBody>
-          <a:bodyPr rtlCol="0" anchor="ctr"/>
-          <a:lstStyle/>
-          <a:p>
-            <a:pPr algn="ctr"/>
-            <a:r>
-              <a:rPr kumimoji="1" lang="en-US" altLang="ja-JP" sz="1400" dirty="0">
-                <a:solidFill>
-                  <a:schemeClr val="tx1"/>
-                </a:solidFill>
-              </a:rPr>
-              <a:t>Export result</a:t>
-            </a:r>
-            <a:endParaRPr kumimoji="1" lang="ja-JP" altLang="en-US" sz="1400" dirty="0">
-              <a:solidFill>
-                <a:schemeClr val="tx1"/>
-              </a:solidFill>
-            </a:endParaRPr>
+      </p:cxnSp>
+      <p:sp>
+        <p:nvSpPr>
+          <p:cNvPr id="8" name="テキスト ボックス 7">
+            <a:extLst>
+              <a:ext uri="{FF2B5EF4-FFF2-40B4-BE49-F238E27FC236}">
+                <a16:creationId xmlns:a16="http://schemas.microsoft.com/office/drawing/2014/main" id="{400AB99B-C787-4432-A8F4-587E41F8C094}"/>
+              </a:ext>
+            </a:extLst>
+          </p:cNvPr>
+          <p:cNvSpPr txBox="1"/>
+          <p:nvPr/>
+        </p:nvSpPr>
+        <p:spPr>
+          <a:xfrm>
+            <a:off x="7549089" y="1937339"/>
+            <a:ext cx="3901684" cy="646331"/>
+          </a:xfrm>
+          <a:prstGeom prst="rect">
+            <a:avLst/>
+          </a:prstGeom>
+          <a:noFill/>
+        </p:spPr>
+        <p:txBody>
+          <a:bodyPr wrap="square" rtlCol="0">
+            <a:spAutoFit/>
+          </a:bodyPr>
+          <a:lstStyle/>
+          <a:p>
+            <a:r>
+              <a:rPr kumimoji="1" lang="en-US" altLang="ja-JP" dirty="0"/>
+              <a:t>Prediction Interval</a:t>
+            </a:r>
+            <a:r>
+              <a:rPr kumimoji="1" lang="ja-JP" altLang="en-US" dirty="0"/>
+              <a:t>を作成し</a:t>
+            </a:r>
+            <a:endParaRPr kumimoji="1" lang="en-US" altLang="ja-JP" dirty="0"/>
+          </a:p>
+          <a:p>
+            <a:r>
+              <a:rPr kumimoji="1" lang="ja-JP" altLang="en-US"/>
+              <a:t>実際の結果と比較する</a:t>
+            </a:r>
+            <a:endParaRPr kumimoji="1" lang="ja-JP" altLang="en-US" dirty="0"/>
           </a:p>
         </p:txBody>
       </p:sp>
     </p:spTree>
     <p:extLst>
       <p:ext uri="{BB962C8B-B14F-4D97-AF65-F5344CB8AC3E}">
-        <p14:creationId xmlns:p14="http://schemas.microsoft.com/office/powerpoint/2010/main" val="2688158855"/>
+        <p14:creationId xmlns:p14="http://schemas.microsoft.com/office/powerpoint/2010/main" val="3644436642"/>
       </p:ext>
     </p:extLst>
   </p:cSld>
